--- a/Project Presentation.pptx
+++ b/Project Presentation.pptx
@@ -25,37 +25,39 @@
     <p:sldId id="270" r:id="rId21"/>
     <p:sldId id="271" r:id="rId22"/>
     <p:sldId id="272" r:id="rId23"/>
+    <p:sldId id="273" r:id="rId24"/>
+    <p:sldId id="274" r:id="rId25"/>
   </p:sldIdLst>
   <p:sldSz cy="5143500" cx="9144000"/>
   <p:notesSz cx="6858000" cy="9144000"/>
   <p:embeddedFontLst>
     <p:embeddedFont>
       <p:font typeface="EB Garamond"/>
-      <p:regular r:id="rId24"/>
-      <p:bold r:id="rId25"/>
-      <p:italic r:id="rId26"/>
-      <p:boldItalic r:id="rId27"/>
+      <p:regular r:id="rId26"/>
+      <p:bold r:id="rId27"/>
+      <p:italic r:id="rId28"/>
+      <p:boldItalic r:id="rId29"/>
     </p:embeddedFont>
     <p:embeddedFont>
       <p:font typeface="Spectral"/>
-      <p:regular r:id="rId28"/>
-      <p:bold r:id="rId29"/>
-      <p:italic r:id="rId30"/>
-      <p:boldItalic r:id="rId31"/>
+      <p:regular r:id="rId30"/>
+      <p:bold r:id="rId31"/>
+      <p:italic r:id="rId32"/>
+      <p:boldItalic r:id="rId33"/>
     </p:embeddedFont>
     <p:embeddedFont>
       <p:font typeface="Spectral Medium"/>
-      <p:regular r:id="rId32"/>
-      <p:bold r:id="rId33"/>
-      <p:italic r:id="rId34"/>
-      <p:boldItalic r:id="rId35"/>
+      <p:regular r:id="rId34"/>
+      <p:bold r:id="rId35"/>
+      <p:italic r:id="rId36"/>
+      <p:boldItalic r:id="rId37"/>
     </p:embeddedFont>
     <p:embeddedFont>
       <p:font typeface="Open Sans"/>
-      <p:regular r:id="rId36"/>
-      <p:bold r:id="rId37"/>
-      <p:italic r:id="rId38"/>
-      <p:boldItalic r:id="rId39"/>
+      <p:regular r:id="rId38"/>
+      <p:bold r:id="rId39"/>
+      <p:italic r:id="rId40"/>
+      <p:boldItalic r:id="rId41"/>
     </p:embeddedFont>
   </p:embeddedFontLst>
   <p:defaultTextStyle>
@@ -850,7 +852,7 @@
       </p:grpSpPr>
       <p:sp>
         <p:nvSpPr>
-          <p:cNvPr id="209" name="Google Shape;209;g6c242f0e9a_0_1335:notes"/>
+          <p:cNvPr id="209" name="Google Shape;209;g6c242f0e9a_0_1328:notes"/>
           <p:cNvSpPr/>
           <p:nvPr>
             <p:ph idx="2" type="sldImg"/>
@@ -885,7 +887,7 @@
       </p:sp>
       <p:sp>
         <p:nvSpPr>
-          <p:cNvPr id="210" name="Google Shape;210;g6c242f0e9a_0_1335:notes"/>
+          <p:cNvPr id="210" name="Google Shape;210;g6c242f0e9a_0_1328:notes"/>
           <p:cNvSpPr txBox="1"/>
           <p:nvPr>
             <p:ph idx="1" type="body"/>
@@ -949,7 +951,7 @@
       </p:grpSpPr>
       <p:sp>
         <p:nvSpPr>
-          <p:cNvPr id="215" name="Google Shape;215;g6c242f0e9a_0_1340:notes"/>
+          <p:cNvPr id="215" name="Google Shape;215;g6c242f0e9a_0_1335:notes"/>
           <p:cNvSpPr/>
           <p:nvPr>
             <p:ph idx="2" type="sldImg"/>
@@ -984,7 +986,7 @@
       </p:sp>
       <p:sp>
         <p:nvSpPr>
-          <p:cNvPr id="216" name="Google Shape;216;g6c242f0e9a_0_1340:notes"/>
+          <p:cNvPr id="216" name="Google Shape;216;g6c242f0e9a_0_1335:notes"/>
           <p:cNvSpPr txBox="1"/>
           <p:nvPr>
             <p:ph idx="1" type="body"/>
@@ -1034,7 +1036,7 @@
   <p:cSld>
     <p:spTree>
       <p:nvGrpSpPr>
-        <p:cNvPr id="222" name="Shape 222"/>
+        <p:cNvPr id="220" name="Shape 220"/>
         <p:cNvGrpSpPr/>
         <p:nvPr/>
       </p:nvGrpSpPr>
@@ -1048,7 +1050,7 @@
       </p:grpSpPr>
       <p:sp>
         <p:nvSpPr>
-          <p:cNvPr id="223" name="Google Shape;223;g6c242f0e9a_0_1349:notes"/>
+          <p:cNvPr id="221" name="Google Shape;221;g6c242f0e9a_0_1340:notes"/>
           <p:cNvSpPr/>
           <p:nvPr>
             <p:ph idx="2" type="sldImg"/>
@@ -1083,7 +1085,7 @@
       </p:sp>
       <p:sp>
         <p:nvSpPr>
-          <p:cNvPr id="224" name="Google Shape;224;g6c242f0e9a_0_1349:notes"/>
+          <p:cNvPr id="222" name="Google Shape;222;g6c242f0e9a_0_1340:notes"/>
           <p:cNvSpPr txBox="1"/>
           <p:nvPr>
             <p:ph idx="1" type="body"/>
@@ -1133,7 +1135,7 @@
   <p:cSld>
     <p:spTree>
       <p:nvGrpSpPr>
-        <p:cNvPr id="229" name="Shape 229"/>
+        <p:cNvPr id="228" name="Shape 228"/>
         <p:cNvGrpSpPr/>
         <p:nvPr/>
       </p:nvGrpSpPr>
@@ -1147,7 +1149,7 @@
       </p:grpSpPr>
       <p:sp>
         <p:nvSpPr>
-          <p:cNvPr id="230" name="Google Shape;230;g6c3e14ba04_0_26:notes"/>
+          <p:cNvPr id="229" name="Google Shape;229;g6c242f0e9a_0_1349:notes"/>
           <p:cNvSpPr/>
           <p:nvPr>
             <p:ph idx="2" type="sldImg"/>
@@ -1182,7 +1184,7 @@
       </p:sp>
       <p:sp>
         <p:nvSpPr>
-          <p:cNvPr id="231" name="Google Shape;231;g6c3e14ba04_0_26:notes"/>
+          <p:cNvPr id="230" name="Google Shape;230;g6c242f0e9a_0_1349:notes"/>
           <p:cNvSpPr txBox="1"/>
           <p:nvPr>
             <p:ph idx="1" type="body"/>
@@ -1246,7 +1248,7 @@
       </p:grpSpPr>
       <p:sp>
         <p:nvSpPr>
-          <p:cNvPr id="236" name="Google Shape;236;g6c242f0e9a_0_1354:notes"/>
+          <p:cNvPr id="236" name="Google Shape;236;g6c3e14ba04_0_26:notes"/>
           <p:cNvSpPr/>
           <p:nvPr>
             <p:ph idx="2" type="sldImg"/>
@@ -1281,7 +1283,7 @@
       </p:sp>
       <p:sp>
         <p:nvSpPr>
-          <p:cNvPr id="237" name="Google Shape;237;g6c242f0e9a_0_1354:notes"/>
+          <p:cNvPr id="237" name="Google Shape;237;g6c3e14ba04_0_26:notes"/>
           <p:cNvSpPr txBox="1"/>
           <p:nvPr>
             <p:ph idx="1" type="body"/>
@@ -1345,7 +1347,7 @@
       </p:grpSpPr>
       <p:sp>
         <p:nvSpPr>
-          <p:cNvPr id="242" name="Google Shape;242;g6c242f0e9a_0_1360:notes"/>
+          <p:cNvPr id="242" name="Google Shape;242;g6c242f0e9a_0_1354:notes"/>
           <p:cNvSpPr/>
           <p:nvPr>
             <p:ph idx="2" type="sldImg"/>
@@ -1380,7 +1382,7 @@
       </p:sp>
       <p:sp>
         <p:nvSpPr>
-          <p:cNvPr id="243" name="Google Shape;243;g6c242f0e9a_0_1360:notes"/>
+          <p:cNvPr id="243" name="Google Shape;243;g6c242f0e9a_0_1354:notes"/>
           <p:cNvSpPr txBox="1"/>
           <p:nvPr>
             <p:ph idx="1" type="body"/>
@@ -1444,7 +1446,7 @@
       </p:grpSpPr>
       <p:sp>
         <p:nvSpPr>
-          <p:cNvPr id="248" name="Google Shape;248;g6c242f0e9a_0_1365:notes"/>
+          <p:cNvPr id="248" name="Google Shape;248;g6c242f0e9a_0_1360:notes"/>
           <p:cNvSpPr/>
           <p:nvPr>
             <p:ph idx="2" type="sldImg"/>
@@ -1479,7 +1481,7 @@
       </p:sp>
       <p:sp>
         <p:nvSpPr>
-          <p:cNvPr id="249" name="Google Shape;249;g6c242f0e9a_0_1365:notes"/>
+          <p:cNvPr id="249" name="Google Shape;249;g6c242f0e9a_0_1360:notes"/>
           <p:cNvSpPr txBox="1"/>
           <p:nvPr>
             <p:ph idx="1" type="body"/>
@@ -1543,7 +1545,7 @@
       </p:grpSpPr>
       <p:sp>
         <p:nvSpPr>
-          <p:cNvPr id="254" name="Google Shape;254;g6c3e14ba04_0_34:notes"/>
+          <p:cNvPr id="254" name="Google Shape;254;g6c242f0e9a_0_1365:notes"/>
           <p:cNvSpPr/>
           <p:nvPr>
             <p:ph idx="2" type="sldImg"/>
@@ -1578,7 +1580,205 @@
       </p:sp>
       <p:sp>
         <p:nvSpPr>
-          <p:cNvPr id="255" name="Google Shape;255;g6c3e14ba04_0_34:notes"/>
+          <p:cNvPr id="255" name="Google Shape;255;g6c242f0e9a_0_1365:notes"/>
+          <p:cNvSpPr txBox="1"/>
+          <p:nvPr>
+            <p:ph idx="1" type="body"/>
+          </p:nvPr>
+        </p:nvSpPr>
+        <p:spPr>
+          <a:xfrm>
+            <a:off x="685800" y="4343400"/>
+            <a:ext cx="5486400" cy="4114800"/>
+          </a:xfrm>
+          <a:prstGeom prst="rect">
+            <a:avLst/>
+          </a:prstGeom>
+        </p:spPr>
+        <p:txBody>
+          <a:bodyPr anchorCtr="0" anchor="t" bIns="91425" lIns="91425" spcFirstLastPara="1" rIns="91425" wrap="square" tIns="91425">
+            <a:noAutofit/>
+          </a:bodyPr>
+          <a:lstStyle/>
+          <a:p>
+            <a:pPr indent="0" lvl="0" marL="0" rtl="0" algn="l">
+              <a:spcBef>
+                <a:spcPts val="0"/>
+              </a:spcBef>
+              <a:spcAft>
+                <a:spcPts val="0"/>
+              </a:spcAft>
+              <a:buNone/>
+            </a:pPr>
+            <a:r>
+              <a:t/>
+            </a:r>
+            <a:endParaRPr/>
+          </a:p>
+        </p:txBody>
+      </p:sp>
+    </p:spTree>
+  </p:cSld>
+  <p:clrMapOvr>
+    <a:masterClrMapping/>
+  </p:clrMapOvr>
+</p:notes>
+</file>
+
+<file path=ppt/notesSlides/notesSlide18.xml><?xml version="1.0" encoding="utf-8"?>
+<p:notes xmlns:a="http://schemas.openxmlformats.org/drawingml/2006/main" xmlns:r="http://schemas.openxmlformats.org/officeDocument/2006/relationships" xmlns:mc="http://schemas.openxmlformats.org/markup-compatibility/2006" xmlns:mv="urn:schemas-microsoft-com:mac:vml" xmlns:p="http://schemas.openxmlformats.org/presentationml/2006/main" xmlns:c="http://schemas.openxmlformats.org/drawingml/2006/chart" xmlns:dgm="http://schemas.openxmlformats.org/drawingml/2006/diagram" xmlns:o="urn:schemas-microsoft-com:office:office" xmlns:v="urn:schemas-microsoft-com:vml" xmlns:pvml="urn:schemas-microsoft-com:office:powerpoint" xmlns:com="http://schemas.openxmlformats.org/drawingml/2006/compatibility" xmlns:p14="http://schemas.microsoft.com/office/powerpoint/2010/main" xmlns:p15="http://schemas.microsoft.com/office/powerpoint/2012/main" showMasterPhAnim="0" showMasterSp="0">
+  <p:cSld>
+    <p:spTree>
+      <p:nvGrpSpPr>
+        <p:cNvPr id="259" name="Shape 259"/>
+        <p:cNvGrpSpPr/>
+        <p:nvPr/>
+      </p:nvGrpSpPr>
+      <p:grpSpPr>
+        <a:xfrm>
+          <a:off x="0" y="0"/>
+          <a:ext cx="0" cy="0"/>
+          <a:chOff x="0" y="0"/>
+          <a:chExt cx="0" cy="0"/>
+        </a:xfrm>
+      </p:grpSpPr>
+      <p:sp>
+        <p:nvSpPr>
+          <p:cNvPr id="260" name="Google Shape;260;g6c5f81e0a6_1_5:notes"/>
+          <p:cNvSpPr/>
+          <p:nvPr>
+            <p:ph idx="2" type="sldImg"/>
+          </p:nvPr>
+        </p:nvSpPr>
+        <p:spPr>
+          <a:xfrm>
+            <a:off x="381300" y="685800"/>
+            <a:ext cx="6096000" cy="3429000"/>
+          </a:xfrm>
+          <a:custGeom>
+            <a:rect b="b" l="l" r="r" t="t"/>
+            <a:pathLst>
+              <a:path extrusionOk="0" h="120000" w="120000">
+                <a:moveTo>
+                  <a:pt x="0" y="0"/>
+                </a:moveTo>
+                <a:lnTo>
+                  <a:pt x="120000" y="0"/>
+                </a:lnTo>
+                <a:lnTo>
+                  <a:pt x="120000" y="120000"/>
+                </a:lnTo>
+                <a:lnTo>
+                  <a:pt x="0" y="120000"/>
+                </a:lnTo>
+                <a:close/>
+              </a:path>
+            </a:pathLst>
+          </a:custGeom>
+        </p:spPr>
+      </p:sp>
+      <p:sp>
+        <p:nvSpPr>
+          <p:cNvPr id="261" name="Google Shape;261;g6c5f81e0a6_1_5:notes"/>
+          <p:cNvSpPr txBox="1"/>
+          <p:nvPr>
+            <p:ph idx="1" type="body"/>
+          </p:nvPr>
+        </p:nvSpPr>
+        <p:spPr>
+          <a:xfrm>
+            <a:off x="685800" y="4343400"/>
+            <a:ext cx="5486400" cy="4114800"/>
+          </a:xfrm>
+          <a:prstGeom prst="rect">
+            <a:avLst/>
+          </a:prstGeom>
+        </p:spPr>
+        <p:txBody>
+          <a:bodyPr anchorCtr="0" anchor="t" bIns="91425" lIns="91425" spcFirstLastPara="1" rIns="91425" wrap="square" tIns="91425">
+            <a:noAutofit/>
+          </a:bodyPr>
+          <a:lstStyle/>
+          <a:p>
+            <a:pPr indent="0" lvl="0" marL="0" rtl="0" algn="l">
+              <a:spcBef>
+                <a:spcPts val="0"/>
+              </a:spcBef>
+              <a:spcAft>
+                <a:spcPts val="0"/>
+              </a:spcAft>
+              <a:buNone/>
+            </a:pPr>
+            <a:r>
+              <a:t/>
+            </a:r>
+            <a:endParaRPr/>
+          </a:p>
+        </p:txBody>
+      </p:sp>
+    </p:spTree>
+  </p:cSld>
+  <p:clrMapOvr>
+    <a:masterClrMapping/>
+  </p:clrMapOvr>
+</p:notes>
+</file>
+
+<file path=ppt/notesSlides/notesSlide19.xml><?xml version="1.0" encoding="utf-8"?>
+<p:notes xmlns:a="http://schemas.openxmlformats.org/drawingml/2006/main" xmlns:r="http://schemas.openxmlformats.org/officeDocument/2006/relationships" xmlns:mc="http://schemas.openxmlformats.org/markup-compatibility/2006" xmlns:mv="urn:schemas-microsoft-com:mac:vml" xmlns:p="http://schemas.openxmlformats.org/presentationml/2006/main" xmlns:c="http://schemas.openxmlformats.org/drawingml/2006/chart" xmlns:dgm="http://schemas.openxmlformats.org/drawingml/2006/diagram" xmlns:o="urn:schemas-microsoft-com:office:office" xmlns:v="urn:schemas-microsoft-com:vml" xmlns:pvml="urn:schemas-microsoft-com:office:powerpoint" xmlns:com="http://schemas.openxmlformats.org/drawingml/2006/compatibility" xmlns:p14="http://schemas.microsoft.com/office/powerpoint/2010/main" xmlns:p15="http://schemas.microsoft.com/office/powerpoint/2012/main" showMasterPhAnim="0" showMasterSp="0">
+  <p:cSld>
+    <p:spTree>
+      <p:nvGrpSpPr>
+        <p:cNvPr id="265" name="Shape 265"/>
+        <p:cNvGrpSpPr/>
+        <p:nvPr/>
+      </p:nvGrpSpPr>
+      <p:grpSpPr>
+        <a:xfrm>
+          <a:off x="0" y="0"/>
+          <a:ext cx="0" cy="0"/>
+          <a:chOff x="0" y="0"/>
+          <a:chExt cx="0" cy="0"/>
+        </a:xfrm>
+      </p:grpSpPr>
+      <p:sp>
+        <p:nvSpPr>
+          <p:cNvPr id="266" name="Google Shape;266;g6c3e14ba04_0_34:notes"/>
+          <p:cNvSpPr/>
+          <p:nvPr>
+            <p:ph idx="2" type="sldImg"/>
+          </p:nvPr>
+        </p:nvSpPr>
+        <p:spPr>
+          <a:xfrm>
+            <a:off x="381300" y="685800"/>
+            <a:ext cx="6096000" cy="3429000"/>
+          </a:xfrm>
+          <a:custGeom>
+            <a:rect b="b" l="l" r="r" t="t"/>
+            <a:pathLst>
+              <a:path extrusionOk="0" h="120000" w="120000">
+                <a:moveTo>
+                  <a:pt x="0" y="0"/>
+                </a:moveTo>
+                <a:lnTo>
+                  <a:pt x="120000" y="0"/>
+                </a:lnTo>
+                <a:lnTo>
+                  <a:pt x="120000" y="120000"/>
+                </a:lnTo>
+                <a:lnTo>
+                  <a:pt x="0" y="120000"/>
+                </a:lnTo>
+                <a:close/>
+              </a:path>
+            </a:pathLst>
+          </a:custGeom>
+        </p:spPr>
+      </p:sp>
+      <p:sp>
+        <p:nvSpPr>
+          <p:cNvPr id="267" name="Google Shape;267;g6c3e14ba04_0_34:notes"/>
           <p:cNvSpPr txBox="1"/>
           <p:nvPr>
             <p:ph idx="1" type="body"/>
@@ -1741,7 +1941,7 @@
       </p:grpSpPr>
       <p:sp>
         <p:nvSpPr>
-          <p:cNvPr id="163" name="Google Shape;163;g6c3e14ba04_0_48:notes"/>
+          <p:cNvPr id="163" name="Google Shape;163;g6c5f81e0a6_1_0:notes"/>
           <p:cNvSpPr/>
           <p:nvPr>
             <p:ph idx="2" type="sldImg"/>
@@ -1776,7 +1976,7 @@
       </p:sp>
       <p:sp>
         <p:nvSpPr>
-          <p:cNvPr id="164" name="Google Shape;164;g6c3e14ba04_0_48:notes"/>
+          <p:cNvPr id="164" name="Google Shape;164;g6c5f81e0a6_1_0:notes"/>
           <p:cNvSpPr txBox="1"/>
           <p:nvPr>
             <p:ph idx="1" type="body"/>
@@ -1840,7 +2040,7 @@
       </p:grpSpPr>
       <p:sp>
         <p:nvSpPr>
-          <p:cNvPr id="169" name="Google Shape;169;g6c242f0e9a_0_1297:notes"/>
+          <p:cNvPr id="169" name="Google Shape;169;g6c3e14ba04_0_48:notes"/>
           <p:cNvSpPr/>
           <p:nvPr>
             <p:ph idx="2" type="sldImg"/>
@@ -1875,7 +2075,7 @@
       </p:sp>
       <p:sp>
         <p:nvSpPr>
-          <p:cNvPr id="170" name="Google Shape;170;g6c242f0e9a_0_1297:notes"/>
+          <p:cNvPr id="170" name="Google Shape;170;g6c3e14ba04_0_48:notes"/>
           <p:cNvSpPr txBox="1"/>
           <p:nvPr>
             <p:ph idx="1" type="body"/>
@@ -1925,7 +2125,7 @@
   <p:cSld>
     <p:spTree>
       <p:nvGrpSpPr>
-        <p:cNvPr id="175" name="Shape 175"/>
+        <p:cNvPr id="174" name="Shape 174"/>
         <p:cNvGrpSpPr/>
         <p:nvPr/>
       </p:nvGrpSpPr>
@@ -1939,7 +2139,7 @@
       </p:grpSpPr>
       <p:sp>
         <p:nvSpPr>
-          <p:cNvPr id="176" name="Google Shape;176;g6c242f0e9a_0_1305:notes"/>
+          <p:cNvPr id="175" name="Google Shape;175;g6c242f0e9a_0_1297:notes"/>
           <p:cNvSpPr/>
           <p:nvPr>
             <p:ph idx="2" type="sldImg"/>
@@ -1974,7 +2174,7 @@
       </p:sp>
       <p:sp>
         <p:nvSpPr>
-          <p:cNvPr id="177" name="Google Shape;177;g6c242f0e9a_0_1305:notes"/>
+          <p:cNvPr id="176" name="Google Shape;176;g6c242f0e9a_0_1297:notes"/>
           <p:cNvSpPr txBox="1"/>
           <p:nvPr>
             <p:ph idx="1" type="body"/>
@@ -2024,7 +2224,7 @@
   <p:cSld>
     <p:spTree>
       <p:nvGrpSpPr>
-        <p:cNvPr id="182" name="Shape 182"/>
+        <p:cNvPr id="181" name="Shape 181"/>
         <p:cNvGrpSpPr/>
         <p:nvPr/>
       </p:nvGrpSpPr>
@@ -2038,7 +2238,7 @@
       </p:grpSpPr>
       <p:sp>
         <p:nvSpPr>
-          <p:cNvPr id="183" name="Google Shape;183;g6c3e14ba04_0_6:notes"/>
+          <p:cNvPr id="182" name="Google Shape;182;g6c242f0e9a_0_1305:notes"/>
           <p:cNvSpPr/>
           <p:nvPr>
             <p:ph idx="2" type="sldImg"/>
@@ -2073,7 +2273,7 @@
       </p:sp>
       <p:sp>
         <p:nvSpPr>
-          <p:cNvPr id="184" name="Google Shape;184;g6c3e14ba04_0_6:notes"/>
+          <p:cNvPr id="183" name="Google Shape;183;g6c242f0e9a_0_1305:notes"/>
           <p:cNvSpPr txBox="1"/>
           <p:nvPr>
             <p:ph idx="1" type="body"/>
@@ -2137,7 +2337,7 @@
       </p:grpSpPr>
       <p:sp>
         <p:nvSpPr>
-          <p:cNvPr id="189" name="Google Shape;189;g6c3e14ba04_0_1:notes"/>
+          <p:cNvPr id="189" name="Google Shape;189;g6c3e14ba04_0_6:notes"/>
           <p:cNvSpPr/>
           <p:nvPr>
             <p:ph idx="2" type="sldImg"/>
@@ -2172,7 +2372,7 @@
       </p:sp>
       <p:sp>
         <p:nvSpPr>
-          <p:cNvPr id="190" name="Google Shape;190;g6c3e14ba04_0_1:notes"/>
+          <p:cNvPr id="190" name="Google Shape;190;g6c3e14ba04_0_6:notes"/>
           <p:cNvSpPr txBox="1"/>
           <p:nvPr>
             <p:ph idx="1" type="body"/>
@@ -2222,7 +2422,7 @@
   <p:cSld>
     <p:spTree>
       <p:nvGrpSpPr>
-        <p:cNvPr id="195" name="Shape 195"/>
+        <p:cNvPr id="194" name="Shape 194"/>
         <p:cNvGrpSpPr/>
         <p:nvPr/>
       </p:nvGrpSpPr>
@@ -2236,7 +2436,7 @@
       </p:grpSpPr>
       <p:sp>
         <p:nvSpPr>
-          <p:cNvPr id="196" name="Google Shape;196;g6c242f0e9a_0_1313:notes"/>
+          <p:cNvPr id="195" name="Google Shape;195;g6c3e14ba04_0_1:notes"/>
           <p:cNvSpPr/>
           <p:nvPr>
             <p:ph idx="2" type="sldImg"/>
@@ -2271,7 +2471,7 @@
       </p:sp>
       <p:sp>
         <p:nvSpPr>
-          <p:cNvPr id="197" name="Google Shape;197;g6c242f0e9a_0_1313:notes"/>
+          <p:cNvPr id="196" name="Google Shape;196;g6c3e14ba04_0_1:notes"/>
           <p:cNvSpPr txBox="1"/>
           <p:nvPr>
             <p:ph idx="1" type="body"/>
@@ -2321,7 +2521,7 @@
   <p:cSld>
     <p:spTree>
       <p:nvGrpSpPr>
-        <p:cNvPr id="202" name="Shape 202"/>
+        <p:cNvPr id="201" name="Shape 201"/>
         <p:cNvGrpSpPr/>
         <p:nvPr/>
       </p:nvGrpSpPr>
@@ -2335,7 +2535,7 @@
       </p:grpSpPr>
       <p:sp>
         <p:nvSpPr>
-          <p:cNvPr id="203" name="Google Shape;203;g6c242f0e9a_0_1328:notes"/>
+          <p:cNvPr id="202" name="Google Shape;202;g6c242f0e9a_0_1313:notes"/>
           <p:cNvSpPr/>
           <p:nvPr>
             <p:ph idx="2" type="sldImg"/>
@@ -2370,7 +2570,7 @@
       </p:sp>
       <p:sp>
         <p:nvSpPr>
-          <p:cNvPr id="204" name="Google Shape;204;g6c242f0e9a_0_1328:notes"/>
+          <p:cNvPr id="203" name="Google Shape;203;g6c242f0e9a_0_1313:notes"/>
           <p:cNvSpPr txBox="1"/>
           <p:nvPr>
             <p:ph idx="1" type="body"/>
@@ -10836,11 +11036,16 @@
                 <a:srgbClr val="1E273B"/>
               </a:buClr>
               <a:buSzPts val="2800"/>
+              <a:buFont typeface="Droid Sans"/>
               <a:buChar char="•"/>
               <a:defRPr>
                 <a:solidFill>
                   <a:srgbClr val="1E273B"/>
                 </a:solidFill>
+                <a:latin typeface="Droid Sans"/>
+                <a:ea typeface="Droid Sans"/>
+                <a:cs typeface="Droid Sans"/>
+                <a:sym typeface="Droid Sans"/>
               </a:defRPr>
             </a:lvl1pPr>
             <a:lvl2pPr indent="-381000" lvl="1" marL="914400" algn="l">
@@ -20847,7 +21052,7 @@
         </p:nvSpPr>
         <p:spPr>
           <a:xfrm>
-            <a:off x="1059758" y="153109"/>
+            <a:off x="1059758" y="141059"/>
             <a:ext cx="7692300" cy="823800"/>
           </a:xfrm>
           <a:prstGeom prst="rect">
@@ -20871,7 +21076,7 @@
             </a:pPr>
             <a:r>
               <a:rPr lang="en-GB"/>
-              <a:t>Approaches	</a:t>
+              <a:t>Data Preprocessing</a:t>
             </a:r>
             <a:endParaRPr/>
           </a:p>
@@ -20887,7 +21092,7 @@
         </p:nvSpPr>
         <p:spPr>
           <a:xfrm>
-            <a:off x="1059758" y="1028633"/>
+            <a:off x="1059758" y="860008"/>
             <a:ext cx="7692300" cy="3604200"/>
           </a:xfrm>
           <a:prstGeom prst="rect">
@@ -20912,7 +21117,7 @@
               </a:spcAft>
               <a:buSzPts val="1900"/>
               <a:buFont typeface="Spectral"/>
-              <a:buChar char="•"/>
+              <a:buChar char="●"/>
             </a:pPr>
             <a:r>
               <a:rPr lang="en-GB" sz="1900">
@@ -20921,7 +21126,78 @@
                 <a:cs typeface="Spectral"/>
                 <a:sym typeface="Spectral"/>
               </a:rPr>
-              <a:t>Decision Tree Regressor</a:t>
+              <a:t>M</a:t>
+            </a:r>
+            <a:r>
+              <a:rPr lang="en-GB" sz="1900">
+                <a:latin typeface="Spectral"/>
+                <a:ea typeface="Spectral"/>
+                <a:cs typeface="Spectral"/>
+                <a:sym typeface="Spectral"/>
+              </a:rPr>
+              <a:t>issing values:</a:t>
+            </a:r>
+            <a:endParaRPr sz="1900">
+              <a:latin typeface="Spectral"/>
+              <a:ea typeface="Spectral"/>
+              <a:cs typeface="Spectral"/>
+              <a:sym typeface="Spectral"/>
+            </a:endParaRPr>
+          </a:p>
+          <a:p>
+            <a:pPr indent="-349249" lvl="0" marL="899999" rtl="0" algn="l">
+              <a:lnSpc>
+                <a:spcPct val="115000"/>
+              </a:lnSpc>
+              <a:spcBef>
+                <a:spcPts val="0"/>
+              </a:spcBef>
+              <a:spcAft>
+                <a:spcPts val="0"/>
+              </a:spcAft>
+              <a:buSzPts val="1900"/>
+              <a:buFont typeface="Spectral"/>
+              <a:buChar char="➢"/>
+            </a:pPr>
+            <a:r>
+              <a:rPr lang="en-GB" sz="1900">
+                <a:latin typeface="Spectral"/>
+                <a:ea typeface="Spectral"/>
+                <a:cs typeface="Spectral"/>
+                <a:sym typeface="Spectral"/>
+              </a:rPr>
+              <a:t>Mean over timestamp</a:t>
+            </a:r>
+            <a:endParaRPr sz="1900">
+              <a:latin typeface="Spectral"/>
+              <a:ea typeface="Spectral"/>
+              <a:cs typeface="Spectral"/>
+              <a:sym typeface="Spectral"/>
+            </a:endParaRPr>
+          </a:p>
+          <a:p>
+            <a:pPr indent="-349249" lvl="0" marL="899999" rtl="0" algn="l">
+              <a:lnSpc>
+                <a:spcPct val="115000"/>
+              </a:lnSpc>
+              <a:spcBef>
+                <a:spcPts val="0"/>
+              </a:spcBef>
+              <a:spcAft>
+                <a:spcPts val="0"/>
+              </a:spcAft>
+              <a:buSzPts val="1900"/>
+              <a:buFont typeface="Spectral"/>
+              <a:buChar char="➢"/>
+            </a:pPr>
+            <a:r>
+              <a:rPr lang="en-GB" sz="1900">
+                <a:latin typeface="Spectral"/>
+                <a:ea typeface="Spectral"/>
+                <a:cs typeface="Spectral"/>
+                <a:sym typeface="Spectral"/>
+              </a:rPr>
+              <a:t>Median due to outliers</a:t>
             </a:r>
             <a:endParaRPr sz="1900">
               <a:latin typeface="Spectral"/>
@@ -20943,7 +21219,7 @@
               </a:spcAft>
               <a:buSzPts val="1900"/>
               <a:buFont typeface="Spectral"/>
-              <a:buChar char="•"/>
+              <a:buChar char="●"/>
             </a:pPr>
             <a:r>
               <a:rPr lang="en-GB" sz="1900">
@@ -20952,7 +21228,210 @@
                 <a:cs typeface="Spectral"/>
                 <a:sym typeface="Spectral"/>
               </a:rPr>
-              <a:t>Random Forest</a:t>
+              <a:t>Feature Normalization</a:t>
+            </a:r>
+            <a:endParaRPr sz="1900">
+              <a:latin typeface="Spectral"/>
+              <a:ea typeface="Spectral"/>
+              <a:cs typeface="Spectral"/>
+              <a:sym typeface="Spectral"/>
+            </a:endParaRPr>
+          </a:p>
+          <a:p>
+            <a:pPr indent="-349249" lvl="0" marL="899999" rtl="0" algn="l">
+              <a:lnSpc>
+                <a:spcPct val="115000"/>
+              </a:lnSpc>
+              <a:spcBef>
+                <a:spcPts val="0"/>
+              </a:spcBef>
+              <a:spcAft>
+                <a:spcPts val="0"/>
+              </a:spcAft>
+              <a:buSzPts val="1900"/>
+              <a:buFont typeface="Spectral"/>
+              <a:buChar char="➢"/>
+            </a:pPr>
+            <a:r>
+              <a:rPr lang="en-GB" sz="1900">
+                <a:latin typeface="Spectral"/>
+                <a:ea typeface="Spectral"/>
+                <a:cs typeface="Spectral"/>
+                <a:sym typeface="Spectral"/>
+              </a:rPr>
+              <a:t>Log on square_fee</a:t>
+            </a:r>
+            <a:r>
+              <a:rPr lang="en-GB" sz="1900">
+                <a:latin typeface="Spectral"/>
+                <a:ea typeface="Spectral"/>
+                <a:cs typeface="Spectral"/>
+                <a:sym typeface="Spectral"/>
+              </a:rPr>
+              <a:t>t</a:t>
+            </a:r>
+            <a:endParaRPr sz="1900">
+              <a:latin typeface="Spectral"/>
+              <a:ea typeface="Spectral"/>
+              <a:cs typeface="Spectral"/>
+              <a:sym typeface="Spectral"/>
+            </a:endParaRPr>
+          </a:p>
+          <a:p>
+            <a:pPr indent="-349249" lvl="0" marL="899999" rtl="0" algn="l">
+              <a:lnSpc>
+                <a:spcPct val="115000"/>
+              </a:lnSpc>
+              <a:spcBef>
+                <a:spcPts val="0"/>
+              </a:spcBef>
+              <a:spcAft>
+                <a:spcPts val="0"/>
+              </a:spcAft>
+              <a:buSzPts val="1900"/>
+              <a:buFont typeface="Spectral"/>
+              <a:buChar char="➢"/>
+            </a:pPr>
+            <a:r>
+              <a:rPr lang="en-GB" sz="1900">
+                <a:latin typeface="Spectral"/>
+                <a:ea typeface="Spectral"/>
+                <a:cs typeface="Spectral"/>
+                <a:sym typeface="Spectral"/>
+              </a:rPr>
+              <a:t>Degree to 16 compass directions for wind direction</a:t>
+            </a:r>
+            <a:endParaRPr sz="1900">
+              <a:latin typeface="Spectral"/>
+              <a:ea typeface="Spectral"/>
+              <a:cs typeface="Spectral"/>
+              <a:sym typeface="Spectral"/>
+            </a:endParaRPr>
+          </a:p>
+          <a:p>
+            <a:pPr indent="-349249" lvl="0" marL="899999" rtl="0" algn="l">
+              <a:lnSpc>
+                <a:spcPct val="115000"/>
+              </a:lnSpc>
+              <a:spcBef>
+                <a:spcPts val="0"/>
+              </a:spcBef>
+              <a:spcAft>
+                <a:spcPts val="0"/>
+              </a:spcAft>
+              <a:buSzPts val="1900"/>
+              <a:buFont typeface="Spectral"/>
+              <a:buChar char="➢"/>
+            </a:pPr>
+            <a:r>
+              <a:rPr lang="en-GB" sz="1900">
+                <a:latin typeface="Spectral"/>
+                <a:ea typeface="Spectral"/>
+                <a:cs typeface="Spectral"/>
+                <a:sym typeface="Spectral"/>
+              </a:rPr>
+              <a:t>Wind Speed to </a:t>
+            </a:r>
+            <a:r>
+              <a:rPr lang="en-GB" sz="1900">
+                <a:solidFill>
+                  <a:schemeClr val="dk1"/>
+                </a:solidFill>
+                <a:highlight>
+                  <a:srgbClr val="FFFFFE"/>
+                </a:highlight>
+                <a:latin typeface="Spectral"/>
+                <a:ea typeface="Spectral"/>
+                <a:cs typeface="Spectral"/>
+                <a:sym typeface="Spectral"/>
+              </a:rPr>
+              <a:t>beaufort scale </a:t>
+            </a:r>
+            <a:r>
+              <a:rPr lang="en-GB" sz="1200">
+                <a:solidFill>
+                  <a:srgbClr val="000000"/>
+                </a:solidFill>
+                <a:highlight>
+                  <a:srgbClr val="FFFFFE"/>
+                </a:highlight>
+                <a:latin typeface="Spectral"/>
+                <a:ea typeface="Spectral"/>
+                <a:cs typeface="Spectral"/>
+                <a:sym typeface="Spectral"/>
+              </a:rPr>
+              <a:t>(</a:t>
+            </a:r>
+            <a:r>
+              <a:rPr lang="en-GB" sz="1200">
+                <a:solidFill>
+                  <a:srgbClr val="000000"/>
+                </a:solidFill>
+                <a:highlight>
+                  <a:srgbClr val="FFFFFF"/>
+                </a:highlight>
+                <a:uFill>
+                  <a:noFill/>
+                </a:uFill>
+                <a:latin typeface="Spectral"/>
+                <a:ea typeface="Spectral"/>
+                <a:cs typeface="Spectral"/>
+                <a:sym typeface="Spectral"/>
+                <a:hlinkClick r:id="rId3"/>
+              </a:rPr>
+              <a:t>wind speed</a:t>
+            </a:r>
+            <a:r>
+              <a:rPr lang="en-GB" sz="1200">
+                <a:solidFill>
+                  <a:srgbClr val="000000"/>
+                </a:solidFill>
+                <a:highlight>
+                  <a:srgbClr val="FFFFFF"/>
+                </a:highlight>
+                <a:latin typeface="Spectral"/>
+                <a:ea typeface="Spectral"/>
+                <a:cs typeface="Spectral"/>
+                <a:sym typeface="Spectral"/>
+              </a:rPr>
+              <a:t> to observed conditions at land)</a:t>
+            </a:r>
+            <a:endParaRPr sz="1200">
+              <a:solidFill>
+                <a:srgbClr val="000000"/>
+              </a:solidFill>
+              <a:highlight>
+                <a:srgbClr val="FFFFFE"/>
+              </a:highlight>
+              <a:latin typeface="Spectral"/>
+              <a:ea typeface="Spectral"/>
+              <a:cs typeface="Spectral"/>
+              <a:sym typeface="Spectral"/>
+            </a:endParaRPr>
+          </a:p>
+          <a:p>
+            <a:pPr indent="-349250" lvl="0" marL="457200" rtl="0" algn="l">
+              <a:lnSpc>
+                <a:spcPct val="115000"/>
+              </a:lnSpc>
+              <a:spcBef>
+                <a:spcPts val="0"/>
+              </a:spcBef>
+              <a:spcAft>
+                <a:spcPts val="0"/>
+              </a:spcAft>
+              <a:buSzPts val="1900"/>
+              <a:buFont typeface="Spectral"/>
+              <a:buChar char="●"/>
+            </a:pPr>
+            <a:r>
+              <a:rPr lang="en-GB" sz="1900">
+                <a:latin typeface="Spectral"/>
+                <a:ea typeface="Spectral"/>
+                <a:cs typeface="Spectral"/>
+                <a:sym typeface="Spectral"/>
+              </a:rPr>
+              <a:t>Timestamp to hour and week of day</a:t>
             </a:r>
             <a:endParaRPr sz="1900">
               <a:latin typeface="Spectral"/>
@@ -20974,7 +21453,7 @@
               </a:spcAft>
               <a:buSzPts val="1900"/>
               <a:buFont typeface="Spectral"/>
-              <a:buChar char="•"/>
+              <a:buChar char="●"/>
             </a:pPr>
             <a:r>
               <a:rPr lang="en-GB" sz="1900">
@@ -20983,69 +21462,7 @@
                 <a:cs typeface="Spectral"/>
                 <a:sym typeface="Spectral"/>
               </a:rPr>
-              <a:t>Gradient Boosting Decision Trees</a:t>
-            </a:r>
-            <a:endParaRPr sz="1900">
-              <a:latin typeface="Spectral"/>
-              <a:ea typeface="Spectral"/>
-              <a:cs typeface="Spectral"/>
-              <a:sym typeface="Spectral"/>
-            </a:endParaRPr>
-          </a:p>
-          <a:p>
-            <a:pPr indent="-349250" lvl="0" marL="457200" rtl="0" algn="l">
-              <a:lnSpc>
-                <a:spcPct val="115000"/>
-              </a:lnSpc>
-              <a:spcBef>
-                <a:spcPts val="0"/>
-              </a:spcBef>
-              <a:spcAft>
-                <a:spcPts val="0"/>
-              </a:spcAft>
-              <a:buSzPts val="1900"/>
-              <a:buFont typeface="Spectral"/>
-              <a:buChar char="•"/>
-            </a:pPr>
-            <a:r>
-              <a:rPr lang="en-GB" sz="1900">
-                <a:latin typeface="Spectral"/>
-                <a:ea typeface="Spectral"/>
-                <a:cs typeface="Spectral"/>
-                <a:sym typeface="Spectral"/>
-              </a:rPr>
-              <a:t>Gradient Boosting Random Forest</a:t>
-            </a:r>
-            <a:endParaRPr sz="1900">
-              <a:latin typeface="Spectral"/>
-              <a:ea typeface="Spectral"/>
-              <a:cs typeface="Spectral"/>
-              <a:sym typeface="Spectral"/>
-            </a:endParaRPr>
-          </a:p>
-          <a:p>
-            <a:pPr indent="-349250" lvl="0" marL="457200" rtl="0" algn="l">
-              <a:lnSpc>
-                <a:spcPct val="115000"/>
-              </a:lnSpc>
-              <a:spcBef>
-                <a:spcPts val="0"/>
-              </a:spcBef>
-              <a:spcAft>
-                <a:spcPts val="0"/>
-              </a:spcAft>
-              <a:buSzPts val="1900"/>
-              <a:buFont typeface="Spectral"/>
-              <a:buChar char="•"/>
-            </a:pPr>
-            <a:r>
-              <a:rPr lang="en-GB" sz="1900">
-                <a:latin typeface="Spectral"/>
-                <a:ea typeface="Spectral"/>
-                <a:cs typeface="Spectral"/>
-                <a:sym typeface="Spectral"/>
-              </a:rPr>
-              <a:t>Neural Networks</a:t>
+              <a:t>One hot encoding</a:t>
             </a:r>
             <a:endParaRPr sz="1900">
               <a:latin typeface="Spectral"/>
@@ -21067,7 +21484,12 @@
             <a:r>
               <a:t/>
             </a:r>
-            <a:endParaRPr/>
+            <a:endParaRPr sz="1900">
+              <a:latin typeface="Spectral"/>
+              <a:ea typeface="Spectral"/>
+              <a:cs typeface="Spectral"/>
+              <a:sym typeface="Spectral"/>
+            </a:endParaRPr>
           </a:p>
         </p:txBody>
       </p:sp>
@@ -21106,6 +21528,265 @@
         </p:nvSpPr>
         <p:spPr>
           <a:xfrm>
+            <a:off x="1059758" y="153109"/>
+            <a:ext cx="7692300" cy="823800"/>
+          </a:xfrm>
+          <a:prstGeom prst="rect">
+            <a:avLst/>
+          </a:prstGeom>
+        </p:spPr>
+        <p:txBody>
+          <a:bodyPr anchorCtr="0" anchor="ctr" bIns="45700" lIns="91425" spcFirstLastPara="1" rIns="91425" wrap="square" tIns="45700">
+            <a:noAutofit/>
+          </a:bodyPr>
+          <a:lstStyle/>
+          <a:p>
+            <a:pPr indent="0" lvl="0" marL="0" rtl="0" algn="l">
+              <a:spcBef>
+                <a:spcPts val="0"/>
+              </a:spcBef>
+              <a:spcAft>
+                <a:spcPts val="0"/>
+              </a:spcAft>
+              <a:buNone/>
+            </a:pPr>
+            <a:r>
+              <a:rPr lang="en-GB"/>
+              <a:t>Approaches	</a:t>
+            </a:r>
+            <a:endParaRPr/>
+          </a:p>
+        </p:txBody>
+      </p:sp>
+      <p:sp>
+        <p:nvSpPr>
+          <p:cNvPr id="219" name="Google Shape;219;p24"/>
+          <p:cNvSpPr txBox="1"/>
+          <p:nvPr>
+            <p:ph idx="1" type="body"/>
+          </p:nvPr>
+        </p:nvSpPr>
+        <p:spPr>
+          <a:xfrm>
+            <a:off x="1059758" y="1028633"/>
+            <a:ext cx="7692300" cy="3604200"/>
+          </a:xfrm>
+          <a:prstGeom prst="rect">
+            <a:avLst/>
+          </a:prstGeom>
+        </p:spPr>
+        <p:txBody>
+          <a:bodyPr anchorCtr="0" anchor="t" bIns="45700" lIns="91425" spcFirstLastPara="1" rIns="91425" wrap="square" tIns="45700">
+            <a:noAutofit/>
+          </a:bodyPr>
+          <a:lstStyle/>
+          <a:p>
+            <a:pPr indent="-349250" lvl="0" marL="457200" rtl="0" algn="l">
+              <a:lnSpc>
+                <a:spcPct val="115000"/>
+              </a:lnSpc>
+              <a:spcBef>
+                <a:spcPts val="1000"/>
+              </a:spcBef>
+              <a:spcAft>
+                <a:spcPts val="0"/>
+              </a:spcAft>
+              <a:buSzPts val="1900"/>
+              <a:buFont typeface="Spectral"/>
+              <a:buChar char="•"/>
+            </a:pPr>
+            <a:r>
+              <a:rPr lang="en-GB" sz="1900">
+                <a:latin typeface="Spectral"/>
+                <a:ea typeface="Spectral"/>
+                <a:cs typeface="Spectral"/>
+                <a:sym typeface="Spectral"/>
+              </a:rPr>
+              <a:t>Decision Tree Regressor</a:t>
+            </a:r>
+            <a:endParaRPr sz="1900">
+              <a:latin typeface="Spectral"/>
+              <a:ea typeface="Spectral"/>
+              <a:cs typeface="Spectral"/>
+              <a:sym typeface="Spectral"/>
+            </a:endParaRPr>
+          </a:p>
+          <a:p>
+            <a:pPr indent="-349250" lvl="0" marL="457200" rtl="0" algn="l">
+              <a:lnSpc>
+                <a:spcPct val="115000"/>
+              </a:lnSpc>
+              <a:spcBef>
+                <a:spcPts val="0"/>
+              </a:spcBef>
+              <a:spcAft>
+                <a:spcPts val="0"/>
+              </a:spcAft>
+              <a:buSzPts val="1900"/>
+              <a:buFont typeface="Spectral"/>
+              <a:buChar char="•"/>
+            </a:pPr>
+            <a:r>
+              <a:rPr lang="en-GB" sz="1900">
+                <a:latin typeface="Spectral"/>
+                <a:ea typeface="Spectral"/>
+                <a:cs typeface="Spectral"/>
+                <a:sym typeface="Spectral"/>
+              </a:rPr>
+              <a:t>Random Forest</a:t>
+            </a:r>
+            <a:endParaRPr sz="1900">
+              <a:latin typeface="Spectral"/>
+              <a:ea typeface="Spectral"/>
+              <a:cs typeface="Spectral"/>
+              <a:sym typeface="Spectral"/>
+            </a:endParaRPr>
+          </a:p>
+          <a:p>
+            <a:pPr indent="-349250" lvl="0" marL="457200" rtl="0" algn="l">
+              <a:lnSpc>
+                <a:spcPct val="115000"/>
+              </a:lnSpc>
+              <a:spcBef>
+                <a:spcPts val="0"/>
+              </a:spcBef>
+              <a:spcAft>
+                <a:spcPts val="0"/>
+              </a:spcAft>
+              <a:buSzPts val="1900"/>
+              <a:buFont typeface="Spectral"/>
+              <a:buChar char="•"/>
+            </a:pPr>
+            <a:r>
+              <a:rPr lang="en-GB" sz="1900">
+                <a:latin typeface="Spectral"/>
+                <a:ea typeface="Spectral"/>
+                <a:cs typeface="Spectral"/>
+                <a:sym typeface="Spectral"/>
+              </a:rPr>
+              <a:t>Gradient Boosting Decision Trees</a:t>
+            </a:r>
+            <a:endParaRPr sz="1900">
+              <a:latin typeface="Spectral"/>
+              <a:ea typeface="Spectral"/>
+              <a:cs typeface="Spectral"/>
+              <a:sym typeface="Spectral"/>
+            </a:endParaRPr>
+          </a:p>
+          <a:p>
+            <a:pPr indent="-349250" lvl="0" marL="457200" rtl="0" algn="l">
+              <a:lnSpc>
+                <a:spcPct val="115000"/>
+              </a:lnSpc>
+              <a:spcBef>
+                <a:spcPts val="0"/>
+              </a:spcBef>
+              <a:spcAft>
+                <a:spcPts val="0"/>
+              </a:spcAft>
+              <a:buSzPts val="1900"/>
+              <a:buFont typeface="Spectral"/>
+              <a:buChar char="•"/>
+            </a:pPr>
+            <a:r>
+              <a:rPr lang="en-GB" sz="1900">
+                <a:latin typeface="Spectral"/>
+                <a:ea typeface="Spectral"/>
+                <a:cs typeface="Spectral"/>
+                <a:sym typeface="Spectral"/>
+              </a:rPr>
+              <a:t>Gradient Boosting Random Forest</a:t>
+            </a:r>
+            <a:endParaRPr sz="1900">
+              <a:latin typeface="Spectral"/>
+              <a:ea typeface="Spectral"/>
+              <a:cs typeface="Spectral"/>
+              <a:sym typeface="Spectral"/>
+            </a:endParaRPr>
+          </a:p>
+          <a:p>
+            <a:pPr indent="-349250" lvl="0" marL="457200" rtl="0" algn="l">
+              <a:lnSpc>
+                <a:spcPct val="115000"/>
+              </a:lnSpc>
+              <a:spcBef>
+                <a:spcPts val="0"/>
+              </a:spcBef>
+              <a:spcAft>
+                <a:spcPts val="0"/>
+              </a:spcAft>
+              <a:buSzPts val="1900"/>
+              <a:buFont typeface="Spectral"/>
+              <a:buChar char="•"/>
+            </a:pPr>
+            <a:r>
+              <a:rPr lang="en-GB" sz="1900">
+                <a:latin typeface="Spectral"/>
+                <a:ea typeface="Spectral"/>
+                <a:cs typeface="Spectral"/>
+                <a:sym typeface="Spectral"/>
+              </a:rPr>
+              <a:t>Neural Networks</a:t>
+            </a:r>
+            <a:endParaRPr sz="1900">
+              <a:latin typeface="Spectral"/>
+              <a:ea typeface="Spectral"/>
+              <a:cs typeface="Spectral"/>
+              <a:sym typeface="Spectral"/>
+            </a:endParaRPr>
+          </a:p>
+          <a:p>
+            <a:pPr indent="0" lvl="0" marL="0" rtl="0" algn="l">
+              <a:spcBef>
+                <a:spcPts val="1000"/>
+              </a:spcBef>
+              <a:spcAft>
+                <a:spcPts val="0"/>
+              </a:spcAft>
+              <a:buNone/>
+            </a:pPr>
+            <a:r>
+              <a:t/>
+            </a:r>
+            <a:endParaRPr/>
+          </a:p>
+        </p:txBody>
+      </p:sp>
+    </p:spTree>
+  </p:cSld>
+  <p:clrMapOvr>
+    <a:masterClrMapping/>
+  </p:clrMapOvr>
+</p:sld>
+</file>
+
+<file path=ppt/slides/slide12.xml><?xml version="1.0" encoding="utf-8"?>
+<p:sld xmlns:a="http://schemas.openxmlformats.org/drawingml/2006/main" xmlns:r="http://schemas.openxmlformats.org/officeDocument/2006/relationships" xmlns:mc="http://schemas.openxmlformats.org/markup-compatibility/2006" xmlns:mv="urn:schemas-microsoft-com:mac:vml" xmlns:p="http://schemas.openxmlformats.org/presentationml/2006/main" xmlns:c="http://schemas.openxmlformats.org/drawingml/2006/chart" xmlns:dgm="http://schemas.openxmlformats.org/drawingml/2006/diagram" xmlns:o="urn:schemas-microsoft-com:office:office" xmlns:v="urn:schemas-microsoft-com:vml" xmlns:pvml="urn:schemas-microsoft-com:office:powerpoint" xmlns:com="http://schemas.openxmlformats.org/drawingml/2006/compatibility" xmlns:p14="http://schemas.microsoft.com/office/powerpoint/2010/main" xmlns:p15="http://schemas.microsoft.com/office/powerpoint/2012/main">
+  <p:cSld>
+    <p:spTree>
+      <p:nvGrpSpPr>
+        <p:cNvPr id="223" name="Shape 223"/>
+        <p:cNvGrpSpPr/>
+        <p:nvPr/>
+      </p:nvGrpSpPr>
+      <p:grpSpPr>
+        <a:xfrm>
+          <a:off x="0" y="0"/>
+          <a:ext cx="0" cy="0"/>
+          <a:chOff x="0" y="0"/>
+          <a:chExt cx="0" cy="0"/>
+        </a:xfrm>
+      </p:grpSpPr>
+      <p:sp>
+        <p:nvSpPr>
+          <p:cNvPr id="224" name="Google Shape;224;p25"/>
+          <p:cNvSpPr txBox="1"/>
+          <p:nvPr>
+            <p:ph type="title"/>
+          </p:nvPr>
+        </p:nvSpPr>
+        <p:spPr>
+          <a:xfrm>
             <a:off x="1059758" y="92884"/>
             <a:ext cx="7692300" cy="823800"/>
           </a:xfrm>
@@ -21138,7 +21819,7 @@
       </p:sp>
       <p:pic>
         <p:nvPicPr>
-          <p:cNvPr id="219" name="Google Shape;219;p24" title="Points scored"/>
+          <p:cNvPr id="225" name="Google Shape;225;p25" title="Points scored"/>
           <p:cNvPicPr preferRelativeResize="0"/>
           <p:nvPr/>
         </p:nvPicPr>
@@ -21166,7 +21847,7 @@
       </p:pic>
       <p:cxnSp>
         <p:nvCxnSpPr>
-          <p:cNvPr id="220" name="Google Shape;220;p24"/>
+          <p:cNvPr id="226" name="Google Shape;226;p25"/>
           <p:cNvCxnSpPr/>
           <p:nvPr/>
         </p:nvCxnSpPr>
@@ -21192,7 +21873,7 @@
       </p:cxnSp>
       <p:sp>
         <p:nvSpPr>
-          <p:cNvPr id="221" name="Google Shape;221;p24"/>
+          <p:cNvPr id="227" name="Google Shape;227;p25"/>
           <p:cNvSpPr txBox="1"/>
           <p:nvPr/>
         </p:nvSpPr>
@@ -21388,7 +22069,7 @@
                                           </p:stCondLst>
                                         </p:cTn>
                                         <p:tgtEl>
-                                          <p:spTgt spid="221"/>
+                                          <p:spTgt spid="227"/>
                                         </p:tgtEl>
                                         <p:attrNameLst>
                                           <p:attrName>style.visibility</p:attrName>
@@ -21402,7 +22083,7 @@
                                       <p:cBhvr additive="base">
                                         <p:cTn dur="1000"/>
                                         <p:tgtEl>
-                                          <p:spTgt spid="221"/>
+                                          <p:spTgt spid="227"/>
                                         </p:tgtEl>
                                         <p:attrNameLst>
                                           <p:attrName>ppt_x</p:attrName>
@@ -21455,12 +22136,12 @@
 </p:sld>
 </file>
 
-<file path=ppt/slides/slide12.xml><?xml version="1.0" encoding="utf-8"?>
+<file path=ppt/slides/slide13.xml><?xml version="1.0" encoding="utf-8"?>
 <p:sld xmlns:a="http://schemas.openxmlformats.org/drawingml/2006/main" xmlns:r="http://schemas.openxmlformats.org/officeDocument/2006/relationships" xmlns:mc="http://schemas.openxmlformats.org/markup-compatibility/2006" xmlns:mv="urn:schemas-microsoft-com:mac:vml" xmlns:p="http://schemas.openxmlformats.org/presentationml/2006/main" xmlns:c="http://schemas.openxmlformats.org/drawingml/2006/chart" xmlns:dgm="http://schemas.openxmlformats.org/drawingml/2006/diagram" xmlns:o="urn:schemas-microsoft-com:office:office" xmlns:v="urn:schemas-microsoft-com:vml" xmlns:pvml="urn:schemas-microsoft-com:office:powerpoint" xmlns:com="http://schemas.openxmlformats.org/drawingml/2006/compatibility" xmlns:p14="http://schemas.microsoft.com/office/powerpoint/2010/main" xmlns:p15="http://schemas.microsoft.com/office/powerpoint/2012/main">
   <p:cSld>
     <p:spTree>
       <p:nvGrpSpPr>
-        <p:cNvPr id="225" name="Shape 225"/>
+        <p:cNvPr id="231" name="Shape 231"/>
         <p:cNvGrpSpPr/>
         <p:nvPr/>
       </p:nvGrpSpPr>
@@ -21474,7 +22155,7 @@
       </p:grpSpPr>
       <p:sp>
         <p:nvSpPr>
-          <p:cNvPr id="226" name="Google Shape;226;p25"/>
+          <p:cNvPr id="232" name="Google Shape;232;p26"/>
           <p:cNvSpPr txBox="1"/>
           <p:nvPr>
             <p:ph type="title"/>
@@ -21514,7 +22195,7 @@
       </p:sp>
       <p:graphicFrame>
         <p:nvGraphicFramePr>
-          <p:cNvPr id="227" name="Google Shape;227;p25"/>
+          <p:cNvPr id="233" name="Google Shape;233;p26"/>
           <p:cNvGraphicFramePr/>
           <p:nvPr/>
         </p:nvGraphicFramePr>
@@ -21527,7 +22208,7 @@
             <a:tbl>
               <a:tblPr>
                 <a:noFill/>
-                <a:tableStyleId>{8DECEE14-56B1-487C-8269-D54D2DD6200A}</a:tableStyleId>
+                <a:tableStyleId>{C9E910F8-3F2F-4AAA-A7B5-B0ACB2F134D9}</a:tableStyleId>
               </a:tblPr>
               <a:tblGrid>
                 <a:gridCol w="1809750"/>
@@ -22283,14 +22964,14 @@
       </p:graphicFrame>
       <p:sp>
         <p:nvSpPr>
-          <p:cNvPr id="228" name="Google Shape;228;p25"/>
+          <p:cNvPr id="234" name="Google Shape;234;p26"/>
           <p:cNvSpPr txBox="1"/>
           <p:nvPr/>
         </p:nvSpPr>
         <p:spPr>
-          <a:xfrm rot="-2300997">
-            <a:off x="2909049" y="2238947"/>
-            <a:ext cx="5249951" cy="1687404"/>
+          <a:xfrm rot="1175741">
+            <a:off x="2877401" y="2771188"/>
+            <a:ext cx="5249857" cy="1687387"/>
           </a:xfrm>
           <a:prstGeom prst="rect">
             <a:avLst/>
@@ -22442,7 +23123,7 @@
                                           </p:stCondLst>
                                         </p:cTn>
                                         <p:tgtEl>
-                                          <p:spTgt spid="228"/>
+                                          <p:spTgt spid="234"/>
                                         </p:tgtEl>
                                         <p:attrNameLst>
                                           <p:attrName>style.visibility</p:attrName>
@@ -22456,7 +23137,7 @@
                                       <p:cBhvr additive="base">
                                         <p:cTn dur="1000"/>
                                         <p:tgtEl>
-                                          <p:spTgt spid="228"/>
+                                          <p:spTgt spid="234"/>
                                         </p:tgtEl>
                                         <p:attrNameLst>
                                           <p:attrName>ppt_x</p:attrName>
@@ -22509,12 +23190,12 @@
 </p:sld>
 </file>
 
-<file path=ppt/slides/slide13.xml><?xml version="1.0" encoding="utf-8"?>
+<file path=ppt/slides/slide14.xml><?xml version="1.0" encoding="utf-8"?>
 <p:sld xmlns:a="http://schemas.openxmlformats.org/drawingml/2006/main" xmlns:r="http://schemas.openxmlformats.org/officeDocument/2006/relationships" xmlns:mc="http://schemas.openxmlformats.org/markup-compatibility/2006" xmlns:mv="urn:schemas-microsoft-com:mac:vml" xmlns:p="http://schemas.openxmlformats.org/presentationml/2006/main" xmlns:c="http://schemas.openxmlformats.org/drawingml/2006/chart" xmlns:dgm="http://schemas.openxmlformats.org/drawingml/2006/diagram" xmlns:o="urn:schemas-microsoft-com:office:office" xmlns:v="urn:schemas-microsoft-com:vml" xmlns:pvml="urn:schemas-microsoft-com:office:powerpoint" xmlns:com="http://schemas.openxmlformats.org/drawingml/2006/compatibility" xmlns:p14="http://schemas.microsoft.com/office/powerpoint/2010/main" xmlns:p15="http://schemas.microsoft.com/office/powerpoint/2012/main">
   <p:cSld>
     <p:spTree>
       <p:nvGrpSpPr>
-        <p:cNvPr id="232" name="Shape 232"/>
+        <p:cNvPr id="238" name="Shape 238"/>
         <p:cNvGrpSpPr/>
         <p:nvPr/>
       </p:nvGrpSpPr>
@@ -22528,7 +23209,7 @@
       </p:grpSpPr>
       <p:sp>
         <p:nvSpPr>
-          <p:cNvPr id="233" name="Google Shape;233;p26"/>
+          <p:cNvPr id="239" name="Google Shape;239;p27"/>
           <p:cNvSpPr txBox="1"/>
           <p:nvPr>
             <p:ph type="title"/>
@@ -22571,7 +23252,7 @@
       </p:sp>
       <p:sp>
         <p:nvSpPr>
-          <p:cNvPr id="234" name="Google Shape;234;p26"/>
+          <p:cNvPr id="240" name="Google Shape;240;p27"/>
           <p:cNvSpPr txBox="1"/>
           <p:nvPr>
             <p:ph idx="1" type="body"/>
@@ -22622,7 +23303,7 @@
                 <a:cs typeface="Spectral"/>
                 <a:sym typeface="Spectral"/>
               </a:rPr>
-              <a:t>Light GBM is a gradient boosting framework that uses tree based learning algorithms</a:t>
+              <a:t>Light GBM is a gradient boosting framework that uses tree-based learning algorithms</a:t>
             </a:r>
             <a:endParaRPr sz="1900">
               <a:solidFill>
@@ -22668,37 +23349,7 @@
                 <a:cs typeface="Spectral"/>
                 <a:sym typeface="Spectral"/>
               </a:rPr>
-              <a:t>It grows tree vertically while other algorithm grows trees horizontally i.e. grows tree leaf-wise while other algorithm </a:t>
-            </a:r>
-            <a:r>
-              <a:rPr lang="en-GB" sz="1900">
-                <a:solidFill>
-                  <a:srgbClr val="000000"/>
-                </a:solidFill>
-                <a:highlight>
-                  <a:srgbClr val="FCFCFC"/>
-                </a:highlight>
-                <a:latin typeface="Spectral"/>
-                <a:ea typeface="Spectral"/>
-                <a:cs typeface="Spectral"/>
-                <a:sym typeface="Spectral"/>
-              </a:rPr>
-              <a:t>grows</a:t>
-            </a:r>
-            <a:r>
-              <a:rPr lang="en-GB" sz="1900">
-                <a:solidFill>
-                  <a:srgbClr val="000000"/>
-                </a:solidFill>
-                <a:highlight>
-                  <a:srgbClr val="FCFCFC"/>
-                </a:highlight>
-                <a:latin typeface="Spectral"/>
-                <a:ea typeface="Spectral"/>
-                <a:cs typeface="Spectral"/>
-                <a:sym typeface="Spectral"/>
-              </a:rPr>
-              <a:t> level-wise.</a:t>
+              <a:t>Grows a tree vertically rather than horizontally</a:t>
             </a:r>
             <a:endParaRPr sz="1900">
               <a:solidFill>
@@ -22714,7 +23365,7 @@
             </a:endParaRPr>
           </a:p>
           <a:p>
-            <a:pPr indent="-349250" lvl="0" marL="457200" rtl="0" algn="l">
+            <a:pPr indent="-349250" lvl="1" marL="914400" rtl="0" algn="l">
               <a:lnSpc>
                 <a:spcPct val="115000"/>
               </a:lnSpc>
@@ -22744,7 +23395,7 @@
                 <a:cs typeface="Spectral"/>
                 <a:sym typeface="Spectral"/>
               </a:rPr>
-              <a:t>It choose the leaf with max delta loss and then grows that leaf</a:t>
+              <a:t>i.e. grows tree leaf-wise rather than level-wise.</a:t>
             </a:r>
             <a:endParaRPr sz="1900">
               <a:solidFill>
@@ -22790,7 +23441,7 @@
                 <a:cs typeface="Spectral"/>
                 <a:sym typeface="Spectral"/>
               </a:rPr>
-              <a:t>Data size is increasing day by day</a:t>
+              <a:t>Chooses the leaf with max delta loss and then grows that leaf</a:t>
             </a:r>
             <a:endParaRPr sz="1900">
               <a:solidFill>
@@ -22836,7 +23487,7 @@
                 <a:cs typeface="Spectral"/>
                 <a:sym typeface="Spectral"/>
               </a:rPr>
-              <a:t>Light GBM can handle large size of data</a:t>
+              <a:t>Benefits:</a:t>
             </a:r>
             <a:endParaRPr sz="1900">
               <a:solidFill>
@@ -22852,7 +23503,99 @@
             </a:endParaRPr>
           </a:p>
           <a:p>
-            <a:pPr indent="-349250" lvl="0" marL="457200" rtl="0" algn="l">
+            <a:pPr indent="-349250" lvl="1" marL="914400" rtl="0" algn="l">
+              <a:lnSpc>
+                <a:spcPct val="115000"/>
+              </a:lnSpc>
+              <a:spcBef>
+                <a:spcPts val="0"/>
+              </a:spcBef>
+              <a:spcAft>
+                <a:spcPts val="0"/>
+              </a:spcAft>
+              <a:buClr>
+                <a:srgbClr val="000000"/>
+              </a:buClr>
+              <a:buSzPts val="1900"/>
+              <a:buFont typeface="Spectral"/>
+              <a:buChar char="•"/>
+            </a:pPr>
+            <a:r>
+              <a:rPr lang="en-GB" sz="1900">
+                <a:solidFill>
+                  <a:srgbClr val="000000"/>
+                </a:solidFill>
+                <a:highlight>
+                  <a:srgbClr val="FCFCFC"/>
+                </a:highlight>
+                <a:latin typeface="Spectral"/>
+                <a:ea typeface="Spectral"/>
+                <a:cs typeface="Spectral"/>
+                <a:sym typeface="Spectral"/>
+              </a:rPr>
+              <a:t>Can handle large size of data</a:t>
+            </a:r>
+            <a:endParaRPr sz="1900">
+              <a:solidFill>
+                <a:srgbClr val="000000"/>
+              </a:solidFill>
+              <a:highlight>
+                <a:srgbClr val="FCFCFC"/>
+              </a:highlight>
+              <a:latin typeface="Spectral"/>
+              <a:ea typeface="Spectral"/>
+              <a:cs typeface="Spectral"/>
+              <a:sym typeface="Spectral"/>
+            </a:endParaRPr>
+          </a:p>
+          <a:p>
+            <a:pPr indent="-349250" lvl="2" marL="1371600" rtl="0" algn="l">
+              <a:lnSpc>
+                <a:spcPct val="115000"/>
+              </a:lnSpc>
+              <a:spcBef>
+                <a:spcPts val="0"/>
+              </a:spcBef>
+              <a:spcAft>
+                <a:spcPts val="0"/>
+              </a:spcAft>
+              <a:buClr>
+                <a:srgbClr val="000000"/>
+              </a:buClr>
+              <a:buSzPts val="1900"/>
+              <a:buFont typeface="Spectral"/>
+              <a:buChar char="•"/>
+            </a:pPr>
+            <a:r>
+              <a:rPr lang="en-GB" sz="1900">
+                <a:solidFill>
+                  <a:schemeClr val="dk1"/>
+                </a:solidFill>
+                <a:highlight>
+                  <a:srgbClr val="FCFCFC"/>
+                </a:highlight>
+                <a:latin typeface="Spectral"/>
+                <a:ea typeface="Spectral"/>
+                <a:cs typeface="Spectral"/>
+                <a:sym typeface="Spectral"/>
+              </a:rPr>
+              <a:t>Data size is increasing day by day</a:t>
+            </a:r>
+            <a:endParaRPr b="1" sz="1900">
+              <a:solidFill>
+                <a:srgbClr val="000000"/>
+              </a:solidFill>
+              <a:highlight>
+                <a:srgbClr val="FCFCFC"/>
+              </a:highlight>
+              <a:latin typeface="Spectral"/>
+              <a:ea typeface="Spectral"/>
+              <a:cs typeface="Spectral"/>
+              <a:sym typeface="Spectral"/>
+            </a:endParaRPr>
+          </a:p>
+          <a:p>
+            <a:pPr indent="-349250" lvl="1" marL="914400" rtl="0" algn="l">
               <a:lnSpc>
                 <a:spcPct val="115000"/>
               </a:lnSpc>
@@ -22913,7 +23656,7 @@
             </a:endParaRPr>
           </a:p>
           <a:p>
-            <a:pPr indent="-349250" lvl="0" marL="457200" rtl="0" algn="l">
+            <a:pPr indent="-349250" lvl="1" marL="914400" rtl="0" algn="l">
               <a:lnSpc>
                 <a:spcPct val="115000"/>
               </a:lnSpc>
@@ -23144,12 +23887,12 @@
 </p:sld>
 </file>
 
-<file path=ppt/slides/slide14.xml><?xml version="1.0" encoding="utf-8"?>
+<file path=ppt/slides/slide15.xml><?xml version="1.0" encoding="utf-8"?>
 <p:sld xmlns:a="http://schemas.openxmlformats.org/drawingml/2006/main" xmlns:r="http://schemas.openxmlformats.org/officeDocument/2006/relationships" xmlns:mc="http://schemas.openxmlformats.org/markup-compatibility/2006" xmlns:mv="urn:schemas-microsoft-com:mac:vml" xmlns:p="http://schemas.openxmlformats.org/presentationml/2006/main" xmlns:c="http://schemas.openxmlformats.org/drawingml/2006/chart" xmlns:dgm="http://schemas.openxmlformats.org/drawingml/2006/diagram" xmlns:o="urn:schemas-microsoft-com:office:office" xmlns:v="urn:schemas-microsoft-com:vml" xmlns:pvml="urn:schemas-microsoft-com:office:powerpoint" xmlns:com="http://schemas.openxmlformats.org/drawingml/2006/compatibility" xmlns:p14="http://schemas.microsoft.com/office/powerpoint/2010/main" xmlns:p15="http://schemas.microsoft.com/office/powerpoint/2012/main">
   <p:cSld>
     <p:spTree>
       <p:nvGrpSpPr>
-        <p:cNvPr id="238" name="Shape 238"/>
+        <p:cNvPr id="244" name="Shape 244"/>
         <p:cNvGrpSpPr/>
         <p:nvPr/>
       </p:nvGrpSpPr>
@@ -23163,7 +23906,7 @@
       </p:grpSpPr>
       <p:sp>
         <p:nvSpPr>
-          <p:cNvPr id="239" name="Google Shape;239;p27"/>
+          <p:cNvPr id="245" name="Google Shape;245;p28"/>
           <p:cNvSpPr txBox="1"/>
           <p:nvPr>
             <p:ph type="title"/>
@@ -23247,7 +23990,7 @@
       </p:sp>
       <p:graphicFrame>
         <p:nvGraphicFramePr>
-          <p:cNvPr id="240" name="Google Shape;240;p27"/>
+          <p:cNvPr id="246" name="Google Shape;246;p28"/>
           <p:cNvGraphicFramePr/>
           <p:nvPr/>
         </p:nvGraphicFramePr>
@@ -23260,7 +24003,7 @@
             <a:tbl>
               <a:tblPr>
                 <a:noFill/>
-                <a:tableStyleId>{8DECEE14-56B1-487C-8269-D54D2DD6200A}</a:tableStyleId>
+                <a:tableStyleId>{C9E910F8-3F2F-4AAA-A7B5-B0ACB2F134D9}</a:tableStyleId>
               </a:tblPr>
               <a:tblGrid>
                 <a:gridCol w="1857950"/>
@@ -24558,12 +25301,12 @@
 </p:sld>
 </file>
 
-<file path=ppt/slides/slide15.xml><?xml version="1.0" encoding="utf-8"?>
+<file path=ppt/slides/slide16.xml><?xml version="1.0" encoding="utf-8"?>
 <p:sld xmlns:a="http://schemas.openxmlformats.org/drawingml/2006/main" xmlns:r="http://schemas.openxmlformats.org/officeDocument/2006/relationships" xmlns:mc="http://schemas.openxmlformats.org/markup-compatibility/2006" xmlns:mv="urn:schemas-microsoft-com:mac:vml" xmlns:p="http://schemas.openxmlformats.org/presentationml/2006/main" xmlns:c="http://schemas.openxmlformats.org/drawingml/2006/chart" xmlns:dgm="http://schemas.openxmlformats.org/drawingml/2006/diagram" xmlns:o="urn:schemas-microsoft-com:office:office" xmlns:v="urn:schemas-microsoft-com:vml" xmlns:pvml="urn:schemas-microsoft-com:office:powerpoint" xmlns:com="http://schemas.openxmlformats.org/drawingml/2006/compatibility" xmlns:p14="http://schemas.microsoft.com/office/powerpoint/2010/main" xmlns:p15="http://schemas.microsoft.com/office/powerpoint/2012/main">
   <p:cSld>
     <p:spTree>
       <p:nvGrpSpPr>
-        <p:cNvPr id="244" name="Shape 244"/>
+        <p:cNvPr id="250" name="Shape 250"/>
         <p:cNvGrpSpPr/>
         <p:nvPr/>
       </p:nvGrpSpPr>
@@ -24577,7 +25320,7 @@
       </p:grpSpPr>
       <p:sp>
         <p:nvSpPr>
-          <p:cNvPr id="245" name="Google Shape;245;p28"/>
+          <p:cNvPr id="251" name="Google Shape;251;p29"/>
           <p:cNvSpPr txBox="1"/>
           <p:nvPr>
             <p:ph type="title"/>
@@ -24617,7 +25360,7 @@
       </p:sp>
       <p:graphicFrame>
         <p:nvGraphicFramePr>
-          <p:cNvPr id="246" name="Google Shape;246;p28"/>
+          <p:cNvPr id="252" name="Google Shape;252;p29"/>
           <p:cNvGraphicFramePr/>
           <p:nvPr/>
         </p:nvGraphicFramePr>
@@ -24630,7 +25373,7 @@
             <a:tbl>
               <a:tblPr>
                 <a:noFill/>
-                <a:tableStyleId>{8DECEE14-56B1-487C-8269-D54D2DD6200A}</a:tableStyleId>
+                <a:tableStyleId>{C9E910F8-3F2F-4AAA-A7B5-B0ACB2F134D9}</a:tableStyleId>
               </a:tblPr>
               <a:tblGrid>
                 <a:gridCol w="1625600"/>
@@ -25605,7 +26348,13 @@
                         <a:buNone/>
                       </a:pPr>
                       <a:r>
-                        <a:t/>
+                        <a:rPr lang="en-GB">
+                          <a:latin typeface="Spectral"/>
+                          <a:ea typeface="Spectral"/>
+                          <a:cs typeface="Spectral"/>
+                          <a:sym typeface="Spectral"/>
+                        </a:rPr>
+                        <a:t>2.0</a:t>
                       </a:r>
                       <a:endParaRPr>
                         <a:latin typeface="Spectral"/>
@@ -25708,324 +26457,6 @@
 </p:sld>
 </file>
 
-<file path=ppt/slides/slide16.xml><?xml version="1.0" encoding="utf-8"?>
-<p:sld xmlns:a="http://schemas.openxmlformats.org/drawingml/2006/main" xmlns:r="http://schemas.openxmlformats.org/officeDocument/2006/relationships" xmlns:mc="http://schemas.openxmlformats.org/markup-compatibility/2006" xmlns:mv="urn:schemas-microsoft-com:mac:vml" xmlns:p="http://schemas.openxmlformats.org/presentationml/2006/main" xmlns:c="http://schemas.openxmlformats.org/drawingml/2006/chart" xmlns:dgm="http://schemas.openxmlformats.org/drawingml/2006/diagram" xmlns:o="urn:schemas-microsoft-com:office:office" xmlns:v="urn:schemas-microsoft-com:vml" xmlns:pvml="urn:schemas-microsoft-com:office:powerpoint" xmlns:com="http://schemas.openxmlformats.org/drawingml/2006/compatibility" xmlns:p14="http://schemas.microsoft.com/office/powerpoint/2010/main" xmlns:p15="http://schemas.microsoft.com/office/powerpoint/2012/main">
-  <p:cSld>
-    <p:spTree>
-      <p:nvGrpSpPr>
-        <p:cNvPr id="250" name="Shape 250"/>
-        <p:cNvGrpSpPr/>
-        <p:nvPr/>
-      </p:nvGrpSpPr>
-      <p:grpSpPr>
-        <a:xfrm>
-          <a:off x="0" y="0"/>
-          <a:ext cx="0" cy="0"/>
-          <a:chOff x="0" y="0"/>
-          <a:chExt cx="0" cy="0"/>
-        </a:xfrm>
-      </p:grpSpPr>
-      <p:sp>
-        <p:nvSpPr>
-          <p:cNvPr id="251" name="Google Shape;251;p29"/>
-          <p:cNvSpPr txBox="1"/>
-          <p:nvPr>
-            <p:ph type="title"/>
-          </p:nvPr>
-        </p:nvSpPr>
-        <p:spPr>
-          <a:xfrm>
-            <a:off x="1059758" y="92884"/>
-            <a:ext cx="7692300" cy="823800"/>
-          </a:xfrm>
-          <a:prstGeom prst="rect">
-            <a:avLst/>
-          </a:prstGeom>
-        </p:spPr>
-        <p:txBody>
-          <a:bodyPr anchorCtr="0" anchor="ctr" bIns="45700" lIns="91425" spcFirstLastPara="1" rIns="91425" wrap="square" tIns="45700">
-            <a:noAutofit/>
-          </a:bodyPr>
-          <a:lstStyle/>
-          <a:p>
-            <a:pPr indent="0" lvl="0" marL="0" rtl="0" algn="l">
-              <a:spcBef>
-                <a:spcPts val="0"/>
-              </a:spcBef>
-              <a:spcAft>
-                <a:spcPts val="0"/>
-              </a:spcAft>
-              <a:buNone/>
-            </a:pPr>
-            <a:r>
-              <a:rPr lang="en-GB"/>
-              <a:t>Takeaways</a:t>
-            </a:r>
-            <a:endParaRPr/>
-          </a:p>
-        </p:txBody>
-      </p:sp>
-      <p:sp>
-        <p:nvSpPr>
-          <p:cNvPr id="252" name="Google Shape;252;p29"/>
-          <p:cNvSpPr txBox="1"/>
-          <p:nvPr>
-            <p:ph idx="1" type="body"/>
-          </p:nvPr>
-        </p:nvSpPr>
-        <p:spPr>
-          <a:xfrm>
-            <a:off x="1059758" y="1028633"/>
-            <a:ext cx="7692300" cy="3604200"/>
-          </a:xfrm>
-          <a:prstGeom prst="rect">
-            <a:avLst/>
-          </a:prstGeom>
-        </p:spPr>
-        <p:txBody>
-          <a:bodyPr anchorCtr="0" anchor="t" bIns="45700" lIns="91425" spcFirstLastPara="1" rIns="91425" wrap="square" tIns="45700">
-            <a:noAutofit/>
-          </a:bodyPr>
-          <a:lstStyle/>
-          <a:p>
-            <a:pPr indent="-342900" lvl="0" marL="457200" rtl="0" algn="l">
-              <a:lnSpc>
-                <a:spcPct val="115000"/>
-              </a:lnSpc>
-              <a:spcBef>
-                <a:spcPts val="1000"/>
-              </a:spcBef>
-              <a:spcAft>
-                <a:spcPts val="0"/>
-              </a:spcAft>
-              <a:buSzPts val="1800"/>
-              <a:buFont typeface="Spectral"/>
-              <a:buChar char="•"/>
-            </a:pPr>
-            <a:r>
-              <a:rPr lang="en-GB" sz="1800">
-                <a:latin typeface="Spectral"/>
-                <a:ea typeface="Spectral"/>
-                <a:cs typeface="Spectral"/>
-                <a:sym typeface="Spectral"/>
-              </a:rPr>
-              <a:t>P</a:t>
-            </a:r>
-            <a:r>
-              <a:rPr lang="en-GB" sz="1800">
-                <a:latin typeface="Spectral"/>
-                <a:ea typeface="Spectral"/>
-                <a:cs typeface="Spectral"/>
-                <a:sym typeface="Spectral"/>
-              </a:rPr>
-              <a:t>roject is more oriente</a:t>
-            </a:r>
-            <a:r>
-              <a:rPr lang="en-GB" sz="1800">
-                <a:latin typeface="Spectral"/>
-                <a:ea typeface="Spectral"/>
-                <a:cs typeface="Spectral"/>
-                <a:sym typeface="Spectral"/>
-              </a:rPr>
-              <a:t>d towards features extraction and analysis.</a:t>
-            </a:r>
-            <a:endParaRPr sz="1800">
-              <a:latin typeface="Spectral"/>
-              <a:ea typeface="Spectral"/>
-              <a:cs typeface="Spectral"/>
-              <a:sym typeface="Spectral"/>
-            </a:endParaRPr>
-          </a:p>
-          <a:p>
-            <a:pPr indent="-342900" lvl="0" marL="457200" rtl="0" algn="l">
-              <a:lnSpc>
-                <a:spcPct val="115000"/>
-              </a:lnSpc>
-              <a:spcBef>
-                <a:spcPts val="0"/>
-              </a:spcBef>
-              <a:spcAft>
-                <a:spcPts val="0"/>
-              </a:spcAft>
-              <a:buSzPts val="1800"/>
-              <a:buFont typeface="Spectral"/>
-              <a:buChar char="•"/>
-            </a:pPr>
-            <a:r>
-              <a:rPr lang="en-GB" sz="1800">
-                <a:latin typeface="Spectral"/>
-                <a:ea typeface="Spectral"/>
-                <a:cs typeface="Spectral"/>
-                <a:sym typeface="Spectral"/>
-              </a:rPr>
-              <a:t>Machine Learning is never always about model. </a:t>
-            </a:r>
-            <a:endParaRPr sz="1800">
-              <a:latin typeface="Spectral"/>
-              <a:ea typeface="Spectral"/>
-              <a:cs typeface="Spectral"/>
-              <a:sym typeface="Spectral"/>
-            </a:endParaRPr>
-          </a:p>
-          <a:p>
-            <a:pPr indent="-342900" lvl="0" marL="457200" rtl="0" algn="l">
-              <a:lnSpc>
-                <a:spcPct val="115000"/>
-              </a:lnSpc>
-              <a:spcBef>
-                <a:spcPts val="0"/>
-              </a:spcBef>
-              <a:spcAft>
-                <a:spcPts val="0"/>
-              </a:spcAft>
-              <a:buSzPts val="1800"/>
-              <a:buFont typeface="Spectral"/>
-              <a:buChar char="•"/>
-            </a:pPr>
-            <a:r>
-              <a:rPr lang="en-GB" sz="1800">
-                <a:latin typeface="Spectral"/>
-                <a:ea typeface="Spectral"/>
-                <a:cs typeface="Spectral"/>
-                <a:sym typeface="Spectral"/>
-              </a:rPr>
-              <a:t>Features are also an integral part of it.</a:t>
-            </a:r>
-            <a:endParaRPr sz="1800">
-              <a:latin typeface="Spectral"/>
-              <a:ea typeface="Spectral"/>
-              <a:cs typeface="Spectral"/>
-              <a:sym typeface="Spectral"/>
-            </a:endParaRPr>
-          </a:p>
-          <a:p>
-            <a:pPr indent="-342900" lvl="0" marL="457200" rtl="0" algn="l">
-              <a:lnSpc>
-                <a:spcPct val="115000"/>
-              </a:lnSpc>
-              <a:spcBef>
-                <a:spcPts val="0"/>
-              </a:spcBef>
-              <a:spcAft>
-                <a:spcPts val="0"/>
-              </a:spcAft>
-              <a:buSzPts val="1800"/>
-              <a:buFont typeface="Spectral"/>
-              <a:buChar char="•"/>
-            </a:pPr>
-            <a:r>
-              <a:rPr lang="en-GB" sz="1800">
-                <a:latin typeface="Spectral"/>
-                <a:ea typeface="Spectral"/>
-                <a:cs typeface="Spectral"/>
-                <a:sym typeface="Spectral"/>
-              </a:rPr>
-              <a:t>Sometimes columns seems useful e.g. floor count but do not have any impact on accuracy.</a:t>
-            </a:r>
-            <a:endParaRPr sz="1800">
-              <a:latin typeface="Spectral"/>
-              <a:ea typeface="Spectral"/>
-              <a:cs typeface="Spectral"/>
-              <a:sym typeface="Spectral"/>
-            </a:endParaRPr>
-          </a:p>
-          <a:p>
-            <a:pPr indent="-342900" lvl="0" marL="457200" rtl="0" algn="l">
-              <a:lnSpc>
-                <a:spcPct val="115000"/>
-              </a:lnSpc>
-              <a:spcBef>
-                <a:spcPts val="0"/>
-              </a:spcBef>
-              <a:spcAft>
-                <a:spcPts val="0"/>
-              </a:spcAft>
-              <a:buSzPts val="1800"/>
-              <a:buFont typeface="Spectral"/>
-              <a:buChar char="•"/>
-            </a:pPr>
-            <a:r>
-              <a:rPr lang="en-GB" sz="1800">
-                <a:latin typeface="Spectral"/>
-                <a:ea typeface="Spectral"/>
-                <a:cs typeface="Spectral"/>
-                <a:sym typeface="Spectral"/>
-              </a:rPr>
-              <a:t>One of the recent work converts numerical attributes to categorical and use embeddings. Still the overall score is 1.1. </a:t>
-            </a:r>
-            <a:endParaRPr sz="1800">
-              <a:latin typeface="Spectral"/>
-              <a:ea typeface="Spectral"/>
-              <a:cs typeface="Spectral"/>
-              <a:sym typeface="Spectral"/>
-            </a:endParaRPr>
-          </a:p>
-          <a:p>
-            <a:pPr indent="-342900" lvl="0" marL="457200" rtl="0" algn="l">
-              <a:lnSpc>
-                <a:spcPct val="115000"/>
-              </a:lnSpc>
-              <a:spcBef>
-                <a:spcPts val="0"/>
-              </a:spcBef>
-              <a:spcAft>
-                <a:spcPts val="0"/>
-              </a:spcAft>
-              <a:buSzPts val="1800"/>
-              <a:buFont typeface="Spectral"/>
-              <a:buChar char="•"/>
-            </a:pPr>
-            <a:r>
-              <a:rPr lang="en-GB" sz="1800">
-                <a:latin typeface="Spectral"/>
-                <a:ea typeface="Spectral"/>
-                <a:cs typeface="Spectral"/>
-                <a:sym typeface="Spectral"/>
-              </a:rPr>
-              <a:t>We found gradient boosting method best with small training time and accuracy of 1.00.</a:t>
-            </a:r>
-            <a:endParaRPr sz="1800">
-              <a:latin typeface="Spectral"/>
-              <a:ea typeface="Spectral"/>
-              <a:cs typeface="Spectral"/>
-              <a:sym typeface="Spectral"/>
-            </a:endParaRPr>
-          </a:p>
-          <a:p>
-            <a:pPr indent="0" lvl="0" marL="0" rtl="0" algn="l">
-              <a:spcBef>
-                <a:spcPts val="1000"/>
-              </a:spcBef>
-              <a:spcAft>
-                <a:spcPts val="0"/>
-              </a:spcAft>
-              <a:buClr>
-                <a:schemeClr val="dk1"/>
-              </a:buClr>
-              <a:buSzPts val="1100"/>
-              <a:buFont typeface="Arial"/>
-              <a:buNone/>
-            </a:pPr>
-            <a:r>
-              <a:t/>
-            </a:r>
-            <a:endParaRPr sz="1800">
-              <a:latin typeface="Spectral"/>
-              <a:ea typeface="Spectral"/>
-              <a:cs typeface="Spectral"/>
-              <a:sym typeface="Spectral"/>
-            </a:endParaRPr>
-          </a:p>
-        </p:txBody>
-      </p:sp>
-    </p:spTree>
-  </p:cSld>
-  <p:clrMapOvr>
-    <a:masterClrMapping/>
-  </p:clrMapOvr>
-</p:sld>
-</file>
-
 <file path=ppt/slides/slide17.xml><?xml version="1.0" encoding="utf-8"?>
 <p:sld xmlns:a="http://schemas.openxmlformats.org/drawingml/2006/main" xmlns:r="http://schemas.openxmlformats.org/officeDocument/2006/relationships" xmlns:mc="http://schemas.openxmlformats.org/markup-compatibility/2006" xmlns:mv="urn:schemas-microsoft-com:mac:vml" xmlns:p="http://schemas.openxmlformats.org/presentationml/2006/main" xmlns:c="http://schemas.openxmlformats.org/drawingml/2006/chart" xmlns:dgm="http://schemas.openxmlformats.org/drawingml/2006/diagram" xmlns:o="urn:schemas-microsoft-com:office:office" xmlns:v="urn:schemas-microsoft-com:vml" xmlns:pvml="urn:schemas-microsoft-com:office:powerpoint" xmlns:com="http://schemas.openxmlformats.org/drawingml/2006/compatibility" xmlns:p14="http://schemas.microsoft.com/office/powerpoint/2010/main" xmlns:p15="http://schemas.microsoft.com/office/powerpoint/2012/main">
   <p:cSld>
@@ -26077,6 +26508,446 @@
             </a:pPr>
             <a:r>
               <a:rPr lang="en-GB"/>
+              <a:t>Takeaways</a:t>
+            </a:r>
+            <a:endParaRPr/>
+          </a:p>
+        </p:txBody>
+      </p:sp>
+      <p:sp>
+        <p:nvSpPr>
+          <p:cNvPr id="258" name="Google Shape;258;p30"/>
+          <p:cNvSpPr txBox="1"/>
+          <p:nvPr>
+            <p:ph idx="1" type="body"/>
+          </p:nvPr>
+        </p:nvSpPr>
+        <p:spPr>
+          <a:xfrm>
+            <a:off x="1059758" y="1028633"/>
+            <a:ext cx="7692300" cy="3604200"/>
+          </a:xfrm>
+          <a:prstGeom prst="rect">
+            <a:avLst/>
+          </a:prstGeom>
+        </p:spPr>
+        <p:txBody>
+          <a:bodyPr anchorCtr="0" anchor="t" bIns="45700" lIns="91425" spcFirstLastPara="1" rIns="91425" wrap="square" tIns="45700">
+            <a:noAutofit/>
+          </a:bodyPr>
+          <a:lstStyle/>
+          <a:p>
+            <a:pPr indent="-342900" lvl="0" marL="457200" rtl="0" algn="l">
+              <a:lnSpc>
+                <a:spcPct val="115000"/>
+              </a:lnSpc>
+              <a:spcBef>
+                <a:spcPts val="1000"/>
+              </a:spcBef>
+              <a:spcAft>
+                <a:spcPts val="0"/>
+              </a:spcAft>
+              <a:buSzPts val="1800"/>
+              <a:buFont typeface="Spectral"/>
+              <a:buChar char="•"/>
+            </a:pPr>
+            <a:r>
+              <a:rPr lang="en-GB" sz="1800">
+                <a:latin typeface="Spectral"/>
+                <a:ea typeface="Spectral"/>
+                <a:cs typeface="Spectral"/>
+                <a:sym typeface="Spectral"/>
+              </a:rPr>
+              <a:t>P</a:t>
+            </a:r>
+            <a:r>
+              <a:rPr lang="en-GB" sz="1800">
+                <a:latin typeface="Spectral"/>
+                <a:ea typeface="Spectral"/>
+                <a:cs typeface="Spectral"/>
+                <a:sym typeface="Spectral"/>
+              </a:rPr>
+              <a:t>roject is more oriente</a:t>
+            </a:r>
+            <a:r>
+              <a:rPr lang="en-GB" sz="1800">
+                <a:latin typeface="Spectral"/>
+                <a:ea typeface="Spectral"/>
+                <a:cs typeface="Spectral"/>
+                <a:sym typeface="Spectral"/>
+              </a:rPr>
+              <a:t>d towards </a:t>
+            </a:r>
+            <a:r>
+              <a:rPr b="1" lang="en-GB" sz="1800">
+                <a:latin typeface="Spectral"/>
+                <a:ea typeface="Spectral"/>
+                <a:cs typeface="Spectral"/>
+                <a:sym typeface="Spectral"/>
+              </a:rPr>
+              <a:t>features extraction and analysis</a:t>
+            </a:r>
+            <a:r>
+              <a:rPr lang="en-GB" sz="1800">
+                <a:latin typeface="Spectral"/>
+                <a:ea typeface="Spectral"/>
+                <a:cs typeface="Spectral"/>
+                <a:sym typeface="Spectral"/>
+              </a:rPr>
+              <a:t>.</a:t>
+            </a:r>
+            <a:endParaRPr sz="1800">
+              <a:latin typeface="Spectral"/>
+              <a:ea typeface="Spectral"/>
+              <a:cs typeface="Spectral"/>
+              <a:sym typeface="Spectral"/>
+            </a:endParaRPr>
+          </a:p>
+          <a:p>
+            <a:pPr indent="-342900" lvl="0" marL="457200" rtl="0" algn="l">
+              <a:lnSpc>
+                <a:spcPct val="115000"/>
+              </a:lnSpc>
+              <a:spcBef>
+                <a:spcPts val="0"/>
+              </a:spcBef>
+              <a:spcAft>
+                <a:spcPts val="0"/>
+              </a:spcAft>
+              <a:buSzPts val="1800"/>
+              <a:buFont typeface="Spectral"/>
+              <a:buChar char="•"/>
+            </a:pPr>
+            <a:r>
+              <a:rPr lang="en-GB" sz="1800">
+                <a:latin typeface="Spectral"/>
+                <a:ea typeface="Spectral"/>
+                <a:cs typeface="Spectral"/>
+                <a:sym typeface="Spectral"/>
+              </a:rPr>
+              <a:t>Machine Learning is never only about choosing a good model. </a:t>
+            </a:r>
+            <a:endParaRPr sz="1800">
+              <a:latin typeface="Spectral"/>
+              <a:ea typeface="Spectral"/>
+              <a:cs typeface="Spectral"/>
+              <a:sym typeface="Spectral"/>
+            </a:endParaRPr>
+          </a:p>
+          <a:p>
+            <a:pPr indent="-342900" lvl="1" marL="914400" rtl="0" algn="l">
+              <a:lnSpc>
+                <a:spcPct val="115000"/>
+              </a:lnSpc>
+              <a:spcBef>
+                <a:spcPts val="0"/>
+              </a:spcBef>
+              <a:spcAft>
+                <a:spcPts val="0"/>
+              </a:spcAft>
+              <a:buSzPts val="1800"/>
+              <a:buFont typeface="Spectral"/>
+              <a:buChar char="•"/>
+            </a:pPr>
+            <a:r>
+              <a:rPr lang="en-GB" sz="1800">
+                <a:latin typeface="Spectral"/>
+                <a:ea typeface="Spectral"/>
+                <a:cs typeface="Spectral"/>
+                <a:sym typeface="Spectral"/>
+              </a:rPr>
+              <a:t>Features are also an integral part of it.</a:t>
+            </a:r>
+            <a:endParaRPr sz="1800">
+              <a:latin typeface="Spectral"/>
+              <a:ea typeface="Spectral"/>
+              <a:cs typeface="Spectral"/>
+              <a:sym typeface="Spectral"/>
+            </a:endParaRPr>
+          </a:p>
+          <a:p>
+            <a:pPr indent="-342900" lvl="0" marL="457200" rtl="0" algn="l">
+              <a:lnSpc>
+                <a:spcPct val="115000"/>
+              </a:lnSpc>
+              <a:spcBef>
+                <a:spcPts val="0"/>
+              </a:spcBef>
+              <a:spcAft>
+                <a:spcPts val="0"/>
+              </a:spcAft>
+              <a:buSzPts val="1800"/>
+              <a:buFont typeface="Spectral"/>
+              <a:buChar char="•"/>
+            </a:pPr>
+            <a:r>
+              <a:rPr lang="en-GB" sz="1800">
+                <a:latin typeface="Spectral"/>
+                <a:ea typeface="Spectral"/>
+                <a:cs typeface="Spectral"/>
+                <a:sym typeface="Spectral"/>
+              </a:rPr>
+              <a:t>Sometimes columns that seem useful e.g. floor count do not impact accuracy.</a:t>
+            </a:r>
+            <a:endParaRPr sz="1800">
+              <a:latin typeface="Spectral"/>
+              <a:ea typeface="Spectral"/>
+              <a:cs typeface="Spectral"/>
+              <a:sym typeface="Spectral"/>
+            </a:endParaRPr>
+          </a:p>
+          <a:p>
+            <a:pPr indent="-342900" lvl="0" marL="457200" rtl="0" algn="l">
+              <a:lnSpc>
+                <a:spcPct val="115000"/>
+              </a:lnSpc>
+              <a:spcBef>
+                <a:spcPts val="0"/>
+              </a:spcBef>
+              <a:spcAft>
+                <a:spcPts val="0"/>
+              </a:spcAft>
+              <a:buSzPts val="1800"/>
+              <a:buFont typeface="Spectral"/>
+              <a:buChar char="•"/>
+            </a:pPr>
+            <a:r>
+              <a:rPr lang="en-GB" sz="1800">
+                <a:latin typeface="Spectral"/>
+                <a:ea typeface="Spectral"/>
+                <a:cs typeface="Spectral"/>
+                <a:sym typeface="Spectral"/>
+              </a:rPr>
+              <a:t>One of the recent submissions converts numerical attributes to categorical and use embeddings. Still the overall score is 1.1. </a:t>
+            </a:r>
+            <a:endParaRPr sz="1800">
+              <a:latin typeface="Spectral"/>
+              <a:ea typeface="Spectral"/>
+              <a:cs typeface="Spectral"/>
+              <a:sym typeface="Spectral"/>
+            </a:endParaRPr>
+          </a:p>
+          <a:p>
+            <a:pPr indent="-342900" lvl="0" marL="457200" rtl="0" algn="l">
+              <a:lnSpc>
+                <a:spcPct val="115000"/>
+              </a:lnSpc>
+              <a:spcBef>
+                <a:spcPts val="0"/>
+              </a:spcBef>
+              <a:spcAft>
+                <a:spcPts val="0"/>
+              </a:spcAft>
+              <a:buSzPts val="1800"/>
+              <a:buFont typeface="Spectral"/>
+              <a:buChar char="•"/>
+            </a:pPr>
+            <a:r>
+              <a:rPr lang="en-GB" sz="1800">
+                <a:latin typeface="Spectral"/>
+                <a:ea typeface="Spectral"/>
+                <a:cs typeface="Spectral"/>
+                <a:sym typeface="Spectral"/>
+              </a:rPr>
+              <a:t>We found gradient boosting method best with small training time and accuracy of 1.00.</a:t>
+            </a:r>
+            <a:endParaRPr sz="1800">
+              <a:latin typeface="Spectral"/>
+              <a:ea typeface="Spectral"/>
+              <a:cs typeface="Spectral"/>
+              <a:sym typeface="Spectral"/>
+            </a:endParaRPr>
+          </a:p>
+          <a:p>
+            <a:pPr indent="0" lvl="0" marL="0" rtl="0" algn="l">
+              <a:spcBef>
+                <a:spcPts val="1000"/>
+              </a:spcBef>
+              <a:spcAft>
+                <a:spcPts val="0"/>
+              </a:spcAft>
+              <a:buClr>
+                <a:schemeClr val="dk1"/>
+              </a:buClr>
+              <a:buSzPts val="1100"/>
+              <a:buFont typeface="Arial"/>
+              <a:buNone/>
+            </a:pPr>
+            <a:r>
+              <a:t/>
+            </a:r>
+            <a:endParaRPr sz="1800">
+              <a:latin typeface="Spectral"/>
+              <a:ea typeface="Spectral"/>
+              <a:cs typeface="Spectral"/>
+              <a:sym typeface="Spectral"/>
+            </a:endParaRPr>
+          </a:p>
+        </p:txBody>
+      </p:sp>
+    </p:spTree>
+  </p:cSld>
+  <p:clrMapOvr>
+    <a:masterClrMapping/>
+  </p:clrMapOvr>
+</p:sld>
+</file>
+
+<file path=ppt/slides/slide18.xml><?xml version="1.0" encoding="utf-8"?>
+<p:sld xmlns:a="http://schemas.openxmlformats.org/drawingml/2006/main" xmlns:r="http://schemas.openxmlformats.org/officeDocument/2006/relationships" xmlns:mc="http://schemas.openxmlformats.org/markup-compatibility/2006" xmlns:mv="urn:schemas-microsoft-com:mac:vml" xmlns:p="http://schemas.openxmlformats.org/presentationml/2006/main" xmlns:c="http://schemas.openxmlformats.org/drawingml/2006/chart" xmlns:dgm="http://schemas.openxmlformats.org/drawingml/2006/diagram" xmlns:o="urn:schemas-microsoft-com:office:office" xmlns:v="urn:schemas-microsoft-com:vml" xmlns:pvml="urn:schemas-microsoft-com:office:powerpoint" xmlns:com="http://schemas.openxmlformats.org/drawingml/2006/compatibility" xmlns:p14="http://schemas.microsoft.com/office/powerpoint/2010/main" xmlns:p15="http://schemas.microsoft.com/office/powerpoint/2012/main">
+  <p:cSld>
+    <p:spTree>
+      <p:nvGrpSpPr>
+        <p:cNvPr id="262" name="Shape 262"/>
+        <p:cNvGrpSpPr/>
+        <p:nvPr/>
+      </p:nvGrpSpPr>
+      <p:grpSpPr>
+        <a:xfrm>
+          <a:off x="0" y="0"/>
+          <a:ext cx="0" cy="0"/>
+          <a:chOff x="0" y="0"/>
+          <a:chExt cx="0" cy="0"/>
+        </a:xfrm>
+      </p:grpSpPr>
+      <p:sp>
+        <p:nvSpPr>
+          <p:cNvPr id="263" name="Google Shape;263;p31"/>
+          <p:cNvSpPr txBox="1"/>
+          <p:nvPr>
+            <p:ph type="title"/>
+          </p:nvPr>
+        </p:nvSpPr>
+        <p:spPr>
+          <a:xfrm>
+            <a:off x="623888" y="1282304"/>
+            <a:ext cx="7886700" cy="2139600"/>
+          </a:xfrm>
+          <a:prstGeom prst="rect">
+            <a:avLst/>
+          </a:prstGeom>
+        </p:spPr>
+        <p:txBody>
+          <a:bodyPr anchorCtr="0" anchor="b" bIns="45700" lIns="91425" spcFirstLastPara="1" rIns="91425" wrap="square" tIns="45700">
+            <a:noAutofit/>
+          </a:bodyPr>
+          <a:lstStyle/>
+          <a:p>
+            <a:pPr indent="0" lvl="0" marL="0" rtl="0" algn="l">
+              <a:spcBef>
+                <a:spcPts val="0"/>
+              </a:spcBef>
+              <a:spcAft>
+                <a:spcPts val="0"/>
+              </a:spcAft>
+              <a:buNone/>
+            </a:pPr>
+            <a:r>
+              <a:rPr lang="en-GB"/>
+              <a:t>Thank You</a:t>
+            </a:r>
+            <a:endParaRPr/>
+          </a:p>
+        </p:txBody>
+      </p:sp>
+      <p:sp>
+        <p:nvSpPr>
+          <p:cNvPr id="264" name="Google Shape;264;p31"/>
+          <p:cNvSpPr txBox="1"/>
+          <p:nvPr>
+            <p:ph idx="1" type="body"/>
+          </p:nvPr>
+        </p:nvSpPr>
+        <p:spPr>
+          <a:xfrm>
+            <a:off x="623888" y="3442097"/>
+            <a:ext cx="7886700" cy="1125000"/>
+          </a:xfrm>
+          <a:prstGeom prst="rect">
+            <a:avLst/>
+          </a:prstGeom>
+        </p:spPr>
+        <p:txBody>
+          <a:bodyPr anchorCtr="0" anchor="t" bIns="45700" lIns="91425" spcFirstLastPara="1" rIns="91425" wrap="square" tIns="45700">
+            <a:noAutofit/>
+          </a:bodyPr>
+          <a:lstStyle/>
+          <a:p>
+            <a:pPr indent="0" lvl="0" marL="0" rtl="0" algn="l">
+              <a:spcBef>
+                <a:spcPts val="1000"/>
+              </a:spcBef>
+              <a:spcAft>
+                <a:spcPts val="0"/>
+              </a:spcAft>
+              <a:buNone/>
+            </a:pPr>
+            <a:r>
+              <a:t/>
+            </a:r>
+            <a:endParaRPr/>
+          </a:p>
+        </p:txBody>
+      </p:sp>
+    </p:spTree>
+  </p:cSld>
+  <p:clrMapOvr>
+    <a:masterClrMapping/>
+  </p:clrMapOvr>
+</p:sld>
+</file>
+
+<file path=ppt/slides/slide19.xml><?xml version="1.0" encoding="utf-8"?>
+<p:sld xmlns:a="http://schemas.openxmlformats.org/drawingml/2006/main" xmlns:r="http://schemas.openxmlformats.org/officeDocument/2006/relationships" xmlns:mc="http://schemas.openxmlformats.org/markup-compatibility/2006" xmlns:mv="urn:schemas-microsoft-com:mac:vml" xmlns:p="http://schemas.openxmlformats.org/presentationml/2006/main" xmlns:c="http://schemas.openxmlformats.org/drawingml/2006/chart" xmlns:dgm="http://schemas.openxmlformats.org/drawingml/2006/diagram" xmlns:o="urn:schemas-microsoft-com:office:office" xmlns:v="urn:schemas-microsoft-com:vml" xmlns:pvml="urn:schemas-microsoft-com:office:powerpoint" xmlns:com="http://schemas.openxmlformats.org/drawingml/2006/compatibility" xmlns:p14="http://schemas.microsoft.com/office/powerpoint/2010/main" xmlns:p15="http://schemas.microsoft.com/office/powerpoint/2012/main">
+  <p:cSld>
+    <p:spTree>
+      <p:nvGrpSpPr>
+        <p:cNvPr id="268" name="Shape 268"/>
+        <p:cNvGrpSpPr/>
+        <p:nvPr/>
+      </p:nvGrpSpPr>
+      <p:grpSpPr>
+        <a:xfrm>
+          <a:off x="0" y="0"/>
+          <a:ext cx="0" cy="0"/>
+          <a:chOff x="0" y="0"/>
+          <a:chExt cx="0" cy="0"/>
+        </a:xfrm>
+      </p:grpSpPr>
+      <p:sp>
+        <p:nvSpPr>
+          <p:cNvPr id="269" name="Google Shape;269;p32"/>
+          <p:cNvSpPr txBox="1"/>
+          <p:nvPr>
+            <p:ph type="title"/>
+          </p:nvPr>
+        </p:nvSpPr>
+        <p:spPr>
+          <a:xfrm>
+            <a:off x="1059758" y="92884"/>
+            <a:ext cx="7692300" cy="823800"/>
+          </a:xfrm>
+          <a:prstGeom prst="rect">
+            <a:avLst/>
+          </a:prstGeom>
+        </p:spPr>
+        <p:txBody>
+          <a:bodyPr anchorCtr="0" anchor="ctr" bIns="45700" lIns="91425" spcFirstLastPara="1" rIns="91425" wrap="square" tIns="45700">
+            <a:noAutofit/>
+          </a:bodyPr>
+          <a:lstStyle/>
+          <a:p>
+            <a:pPr indent="0" lvl="0" marL="0" rtl="0" algn="l">
+              <a:spcBef>
+                <a:spcPts val="0"/>
+              </a:spcBef>
+              <a:spcAft>
+                <a:spcPts val="0"/>
+              </a:spcAft>
+              <a:buNone/>
+            </a:pPr>
+            <a:r>
+              <a:rPr lang="en-GB"/>
               <a:t>References</a:t>
             </a:r>
             <a:endParaRPr/>
@@ -26085,7 +26956,7 @@
       </p:sp>
       <p:sp>
         <p:nvSpPr>
-          <p:cNvPr id="258" name="Google Shape;258;p30"/>
+          <p:cNvPr id="270" name="Google Shape;270;p32"/>
           <p:cNvSpPr txBox="1"/>
           <p:nvPr>
             <p:ph idx="1" type="body"/>
@@ -26416,6 +27287,58 @@
                 <a:cs typeface="Spectral"/>
                 <a:sym typeface="Spectral"/>
               </a:rPr>
+              <a:t>Open Kaggle Competition - </a:t>
+            </a:r>
+            <a:r>
+              <a:rPr b="1" lang="en-GB" sz="1900">
+                <a:solidFill>
+                  <a:schemeClr val="dk1"/>
+                </a:solidFill>
+                <a:latin typeface="Spectral"/>
+                <a:ea typeface="Spectral"/>
+                <a:cs typeface="Spectral"/>
+                <a:sym typeface="Spectral"/>
+              </a:rPr>
+              <a:t>ASHRAE Great Energy Predictor III</a:t>
+            </a:r>
+            <a:endParaRPr b="1" sz="1900">
+              <a:solidFill>
+                <a:schemeClr val="dk1"/>
+              </a:solidFill>
+              <a:latin typeface="Spectral"/>
+              <a:ea typeface="Spectral"/>
+              <a:cs typeface="Spectral"/>
+              <a:sym typeface="Spectral"/>
+            </a:endParaRPr>
+          </a:p>
+          <a:p>
+            <a:pPr indent="-349250" lvl="1" marL="360000" marR="0" rtl="0" algn="just">
+              <a:lnSpc>
+                <a:spcPct val="115000"/>
+              </a:lnSpc>
+              <a:spcBef>
+                <a:spcPts val="0"/>
+              </a:spcBef>
+              <a:spcAft>
+                <a:spcPts val="0"/>
+              </a:spcAft>
+              <a:buClr>
+                <a:schemeClr val="dk1"/>
+              </a:buClr>
+              <a:buSzPts val="1900"/>
+              <a:buFont typeface="Spectral"/>
+              <a:buChar char="•"/>
+            </a:pPr>
+            <a:r>
+              <a:rPr lang="en-GB" sz="1900">
+                <a:solidFill>
+                  <a:schemeClr val="dk1"/>
+                </a:solidFill>
+                <a:latin typeface="Spectral"/>
+                <a:ea typeface="Spectral"/>
+                <a:cs typeface="Spectral"/>
+                <a:sym typeface="Spectral"/>
+              </a:rPr>
               <a:t>Tall buildings for using ground space effectively</a:t>
             </a:r>
             <a:endParaRPr sz="1900">
@@ -26623,7 +27546,7 @@
               <a:buNone/>
             </a:pPr>
             <a:r>
-              <a:rPr i="1" lang="en-GB" sz="1900">
+              <a:rPr b="1" i="1" lang="en-GB" sz="1900">
                 <a:solidFill>
                   <a:schemeClr val="dk1"/>
                 </a:solidFill>
@@ -26634,7 +27557,7 @@
               </a:rPr>
               <a:t>This project aims to predict how much energy a building with certain properties will consume under certain weather conditions without using improvements.</a:t>
             </a:r>
-            <a:endParaRPr i="1" sz="1900">
+            <a:endParaRPr b="1" i="1" sz="1900">
               <a:solidFill>
                 <a:schemeClr val="dk1"/>
               </a:solidFill>
@@ -26788,40 +27711,147 @@
             </a:pPr>
             <a:r>
               <a:rPr lang="en-GB"/>
-              <a:t>Evaluation Metric</a:t>
+              <a:t>Goals</a:t>
             </a:r>
             <a:endParaRPr/>
           </a:p>
         </p:txBody>
       </p:sp>
-      <p:pic>
-        <p:nvPicPr>
+      <p:sp>
+        <p:nvSpPr>
           <p:cNvPr id="167" name="Google Shape;167;p16"/>
-          <p:cNvPicPr preferRelativeResize="0"/>
-          <p:nvPr/>
-        </p:nvPicPr>
-        <p:blipFill>
-          <a:blip r:embed="rId3">
-            <a:alphaModFix/>
-          </a:blip>
-          <a:stretch>
-            <a:fillRect/>
-          </a:stretch>
-        </p:blipFill>
+          <p:cNvSpPr txBox="1"/>
+          <p:nvPr>
+            <p:ph idx="1" type="body"/>
+          </p:nvPr>
+        </p:nvSpPr>
         <p:spPr>
           <a:xfrm>
-            <a:off x="1141027" y="972174"/>
-            <a:ext cx="7339175" cy="3199150"/>
+            <a:off x="1059758" y="1028633"/>
+            <a:ext cx="7692300" cy="3604200"/>
           </a:xfrm>
           <a:prstGeom prst="rect">
             <a:avLst/>
           </a:prstGeom>
-          <a:noFill/>
-          <a:ln>
-            <a:noFill/>
-          </a:ln>
         </p:spPr>
-      </p:pic>
+        <p:txBody>
+          <a:bodyPr anchorCtr="0" anchor="t" bIns="45700" lIns="91425" spcFirstLastPara="1" rIns="91425" wrap="square" tIns="45700">
+            <a:noAutofit/>
+          </a:bodyPr>
+          <a:lstStyle/>
+          <a:p>
+            <a:pPr indent="-381000" lvl="0" marL="457200" rtl="0" algn="l">
+              <a:spcBef>
+                <a:spcPts val="1000"/>
+              </a:spcBef>
+              <a:spcAft>
+                <a:spcPts val="0"/>
+              </a:spcAft>
+              <a:buClr>
+                <a:srgbClr val="000000"/>
+              </a:buClr>
+              <a:buSzPts val="2400"/>
+              <a:buFont typeface="Spectral"/>
+              <a:buChar char="•"/>
+            </a:pPr>
+            <a:r>
+              <a:rPr lang="en-GB" sz="2400">
+                <a:solidFill>
+                  <a:srgbClr val="000000"/>
+                </a:solidFill>
+                <a:latin typeface="Spectral"/>
+                <a:ea typeface="Spectral"/>
+                <a:cs typeface="Spectral"/>
+                <a:sym typeface="Spectral"/>
+              </a:rPr>
+              <a:t>Perform basic analysis on the given data</a:t>
+            </a:r>
+            <a:endParaRPr sz="2400">
+              <a:solidFill>
+                <a:srgbClr val="000000"/>
+              </a:solidFill>
+              <a:latin typeface="Spectral"/>
+              <a:ea typeface="Spectral"/>
+              <a:cs typeface="Spectral"/>
+              <a:sym typeface="Spectral"/>
+            </a:endParaRPr>
+          </a:p>
+          <a:p>
+            <a:pPr indent="-381000" lvl="0" marL="457200" rtl="0" algn="l">
+              <a:spcBef>
+                <a:spcPts val="0"/>
+              </a:spcBef>
+              <a:spcAft>
+                <a:spcPts val="0"/>
+              </a:spcAft>
+              <a:buClr>
+                <a:srgbClr val="000000"/>
+              </a:buClr>
+              <a:buSzPts val="2400"/>
+              <a:buFont typeface="Spectral"/>
+              <a:buChar char="•"/>
+            </a:pPr>
+            <a:r>
+              <a:rPr lang="en-GB" sz="2400">
+                <a:solidFill>
+                  <a:srgbClr val="000000"/>
+                </a:solidFill>
+                <a:latin typeface="Spectral"/>
+                <a:ea typeface="Spectral"/>
+                <a:cs typeface="Spectral"/>
+                <a:sym typeface="Spectral"/>
+              </a:rPr>
+              <a:t>Build models using four different ML techniques</a:t>
+            </a:r>
+            <a:endParaRPr sz="2400">
+              <a:solidFill>
+                <a:srgbClr val="000000"/>
+              </a:solidFill>
+              <a:latin typeface="Spectral"/>
+              <a:ea typeface="Spectral"/>
+              <a:cs typeface="Spectral"/>
+              <a:sym typeface="Spectral"/>
+            </a:endParaRPr>
+          </a:p>
+          <a:p>
+            <a:pPr indent="-381000" lvl="0" marL="457200" rtl="0" algn="l">
+              <a:spcBef>
+                <a:spcPts val="0"/>
+              </a:spcBef>
+              <a:spcAft>
+                <a:spcPts val="0"/>
+              </a:spcAft>
+              <a:buClr>
+                <a:srgbClr val="000000"/>
+              </a:buClr>
+              <a:buSzPts val="2400"/>
+              <a:buFont typeface="Spectral"/>
+              <a:buChar char="•"/>
+            </a:pPr>
+            <a:r>
+              <a:rPr lang="en-GB" sz="2400">
+                <a:solidFill>
+                  <a:srgbClr val="000000"/>
+                </a:solidFill>
+                <a:latin typeface="Spectral"/>
+                <a:ea typeface="Spectral"/>
+                <a:cs typeface="Spectral"/>
+                <a:sym typeface="Spectral"/>
+              </a:rPr>
+              <a:t>Compare the results to have an insights about different techniques</a:t>
+            </a:r>
+            <a:endParaRPr sz="2400">
+              <a:solidFill>
+                <a:srgbClr val="000000"/>
+              </a:solidFill>
+              <a:latin typeface="Spectral"/>
+              <a:ea typeface="Spectral"/>
+              <a:cs typeface="Spectral"/>
+              <a:sym typeface="Spectral"/>
+            </a:endParaRPr>
+          </a:p>
+        </p:txBody>
+      </p:sp>
     </p:spTree>
   </p:cSld>
   <p:clrMapOvr>
@@ -26881,6 +27911,99 @@
             </a:pPr>
             <a:r>
               <a:rPr lang="en-GB"/>
+              <a:t>Evaluation Metric</a:t>
+            </a:r>
+            <a:endParaRPr/>
+          </a:p>
+        </p:txBody>
+      </p:sp>
+      <p:pic>
+        <p:nvPicPr>
+          <p:cNvPr id="173" name="Google Shape;173;p17"/>
+          <p:cNvPicPr preferRelativeResize="0"/>
+          <p:nvPr/>
+        </p:nvPicPr>
+        <p:blipFill>
+          <a:blip r:embed="rId3">
+            <a:alphaModFix/>
+          </a:blip>
+          <a:stretch>
+            <a:fillRect/>
+          </a:stretch>
+        </p:blipFill>
+        <p:spPr>
+          <a:xfrm>
+            <a:off x="1141027" y="972174"/>
+            <a:ext cx="7339175" cy="3199150"/>
+          </a:xfrm>
+          <a:prstGeom prst="rect">
+            <a:avLst/>
+          </a:prstGeom>
+          <a:noFill/>
+          <a:ln>
+            <a:noFill/>
+          </a:ln>
+        </p:spPr>
+      </p:pic>
+    </p:spTree>
+  </p:cSld>
+  <p:clrMapOvr>
+    <a:masterClrMapping/>
+  </p:clrMapOvr>
+</p:sld>
+</file>
+
+<file path=ppt/slides/slide5.xml><?xml version="1.0" encoding="utf-8"?>
+<p:sld xmlns:a="http://schemas.openxmlformats.org/drawingml/2006/main" xmlns:r="http://schemas.openxmlformats.org/officeDocument/2006/relationships" xmlns:mc="http://schemas.openxmlformats.org/markup-compatibility/2006" xmlns:mv="urn:schemas-microsoft-com:mac:vml" xmlns:p="http://schemas.openxmlformats.org/presentationml/2006/main" xmlns:c="http://schemas.openxmlformats.org/drawingml/2006/chart" xmlns:dgm="http://schemas.openxmlformats.org/drawingml/2006/diagram" xmlns:o="urn:schemas-microsoft-com:office:office" xmlns:v="urn:schemas-microsoft-com:vml" xmlns:pvml="urn:schemas-microsoft-com:office:powerpoint" xmlns:com="http://schemas.openxmlformats.org/drawingml/2006/compatibility" xmlns:p14="http://schemas.microsoft.com/office/powerpoint/2010/main" xmlns:p15="http://schemas.microsoft.com/office/powerpoint/2012/main">
+  <p:cSld>
+    <p:spTree>
+      <p:nvGrpSpPr>
+        <p:cNvPr id="177" name="Shape 177"/>
+        <p:cNvGrpSpPr/>
+        <p:nvPr/>
+      </p:nvGrpSpPr>
+      <p:grpSpPr>
+        <a:xfrm>
+          <a:off x="0" y="0"/>
+          <a:ext cx="0" cy="0"/>
+          <a:chOff x="0" y="0"/>
+          <a:chExt cx="0" cy="0"/>
+        </a:xfrm>
+      </p:grpSpPr>
+      <p:sp>
+        <p:nvSpPr>
+          <p:cNvPr id="178" name="Google Shape;178;p18"/>
+          <p:cNvSpPr txBox="1"/>
+          <p:nvPr>
+            <p:ph type="title"/>
+          </p:nvPr>
+        </p:nvSpPr>
+        <p:spPr>
+          <a:xfrm>
+            <a:off x="1059758" y="92884"/>
+            <a:ext cx="7692300" cy="823800"/>
+          </a:xfrm>
+          <a:prstGeom prst="rect">
+            <a:avLst/>
+          </a:prstGeom>
+        </p:spPr>
+        <p:txBody>
+          <a:bodyPr anchorCtr="0" anchor="ctr" bIns="45700" lIns="91425" spcFirstLastPara="1" rIns="91425" wrap="square" tIns="45700">
+            <a:noAutofit/>
+          </a:bodyPr>
+          <a:lstStyle/>
+          <a:p>
+            <a:pPr indent="0" lvl="0" marL="0" rtl="0" algn="l">
+              <a:spcBef>
+                <a:spcPts val="0"/>
+              </a:spcBef>
+              <a:spcAft>
+                <a:spcPts val="0"/>
+              </a:spcAft>
+              <a:buNone/>
+            </a:pPr>
+            <a:r>
+              <a:rPr lang="en-GB"/>
               <a:t>Data</a:t>
             </a:r>
             <a:endParaRPr/>
@@ -26889,7 +28012,7 @@
       </p:sp>
       <p:sp>
         <p:nvSpPr>
-          <p:cNvPr id="173" name="Google Shape;173;p17"/>
+          <p:cNvPr id="179" name="Google Shape;179;p18"/>
           <p:cNvSpPr txBox="1"/>
           <p:nvPr>
             <p:ph idx="1" type="body"/>
@@ -26962,9 +28085,18 @@
                 <a:cs typeface="Spectral"/>
                 <a:sym typeface="Spectral"/>
               </a:rPr>
-              <a:t>Energy Consumption of 1448 Buildings</a:t>
+              <a:t>Energy Consumption of </a:t>
             </a:r>
-            <a:endParaRPr sz="1900">
+            <a:r>
+              <a:rPr b="1" lang="en-GB" sz="1900">
+                <a:latin typeface="Spectral"/>
+                <a:ea typeface="Spectral"/>
+                <a:cs typeface="Spectral"/>
+                <a:sym typeface="Spectral"/>
+              </a:rPr>
+              <a:t>1448 Buildings</a:t>
+            </a:r>
+            <a:endParaRPr b="1" sz="1900">
               <a:latin typeface="Spectral"/>
               <a:ea typeface="Spectral"/>
               <a:cs typeface="Spectral"/>
@@ -26972,7 +28104,7 @@
             </a:endParaRPr>
           </a:p>
           <a:p>
-            <a:pPr indent="-349250" lvl="0" marL="457200" rtl="0" algn="l">
+            <a:pPr indent="-349250" lvl="1" marL="914400" rtl="0" algn="l">
               <a:lnSpc>
                 <a:spcPct val="115000"/>
               </a:lnSpc>
@@ -26993,7 +28125,47 @@
                 <a:cs typeface="Spectral"/>
                 <a:sym typeface="Spectral"/>
               </a:rPr>
-              <a:t>Weather Conditions at multiple timestamps</a:t>
+              <a:t>Hourly meter readings over 3 years</a:t>
+            </a:r>
+            <a:endParaRPr sz="1900">
+              <a:latin typeface="Spectral"/>
+              <a:ea typeface="Spectral"/>
+              <a:cs typeface="Spectral"/>
+              <a:sym typeface="Spectral"/>
+            </a:endParaRPr>
+          </a:p>
+          <a:p>
+            <a:pPr indent="-349250" lvl="0" marL="457200" rtl="0" algn="l">
+              <a:lnSpc>
+                <a:spcPct val="115000"/>
+              </a:lnSpc>
+              <a:spcBef>
+                <a:spcPts val="0"/>
+              </a:spcBef>
+              <a:spcAft>
+                <a:spcPts val="0"/>
+              </a:spcAft>
+              <a:buSzPts val="1900"/>
+              <a:buFont typeface="Spectral"/>
+              <a:buChar char="•"/>
+            </a:pPr>
+            <a:r>
+              <a:rPr b="1" lang="en-GB" sz="1900">
+                <a:latin typeface="Spectral"/>
+                <a:ea typeface="Spectral"/>
+                <a:cs typeface="Spectral"/>
+                <a:sym typeface="Spectral"/>
+              </a:rPr>
+              <a:t>Weather Conditions</a:t>
+            </a:r>
+            <a:r>
+              <a:rPr lang="en-GB" sz="1900">
+                <a:latin typeface="Spectral"/>
+                <a:ea typeface="Spectral"/>
+                <a:cs typeface="Spectral"/>
+                <a:sym typeface="Spectral"/>
+              </a:rPr>
+              <a:t> at multiple timestamps</a:t>
             </a:r>
             <a:endParaRPr sz="1900">
               <a:latin typeface="Spectral"/>
@@ -27086,7 +28258,25 @@
                 <a:cs typeface="Spectral"/>
                 <a:sym typeface="Spectral"/>
               </a:rPr>
-              <a:t>Target is the meter Reading. (Regression Problem)</a:t>
+              <a:t>Target is the </a:t>
+            </a:r>
+            <a:r>
+              <a:rPr b="1" lang="en-GB" sz="1900">
+                <a:latin typeface="Spectral"/>
+                <a:ea typeface="Spectral"/>
+                <a:cs typeface="Spectral"/>
+                <a:sym typeface="Spectral"/>
+              </a:rPr>
+              <a:t>Meter Reading</a:t>
+            </a:r>
+            <a:r>
+              <a:rPr lang="en-GB" sz="1900">
+                <a:latin typeface="Spectral"/>
+                <a:ea typeface="Spectral"/>
+                <a:cs typeface="Spectral"/>
+                <a:sym typeface="Spectral"/>
+              </a:rPr>
+              <a:t> (Regression Problem)</a:t>
             </a:r>
             <a:endParaRPr sz="1900">
               <a:latin typeface="Spectral"/>
@@ -27130,13 +28320,13 @@
       </p:sp>
       <p:sp>
         <p:nvSpPr>
-          <p:cNvPr id="174" name="Google Shape;174;p17"/>
+          <p:cNvPr id="180" name="Google Shape;180;p18"/>
           <p:cNvSpPr txBox="1"/>
           <p:nvPr/>
         </p:nvSpPr>
         <p:spPr>
           <a:xfrm rot="-1342243">
-            <a:off x="3850687" y="3023683"/>
+            <a:off x="3992987" y="3511608"/>
             <a:ext cx="3476110" cy="784415"/>
           </a:xfrm>
           <a:prstGeom prst="rect">
@@ -27225,7 +28415,7 @@
                                           </p:stCondLst>
                                         </p:cTn>
                                         <p:tgtEl>
-                                          <p:spTgt spid="174"/>
+                                          <p:spTgt spid="180"/>
                                         </p:tgtEl>
                                         <p:attrNameLst>
                                           <p:attrName>style.visibility</p:attrName>
@@ -27239,7 +28429,7 @@
                                       <p:cBhvr additive="base">
                                         <p:cTn dur="1100"/>
                                         <p:tgtEl>
-                                          <p:spTgt spid="174"/>
+                                          <p:spTgt spid="180"/>
                                         </p:tgtEl>
                                         <p:attrNameLst>
                                           <p:attrName>ppt_x</p:attrName>
@@ -27292,12 +28482,12 @@
 </p:sld>
 </file>
 
-<file path=ppt/slides/slide5.xml><?xml version="1.0" encoding="utf-8"?>
+<file path=ppt/slides/slide6.xml><?xml version="1.0" encoding="utf-8"?>
 <p:sld xmlns:a="http://schemas.openxmlformats.org/drawingml/2006/main" xmlns:r="http://schemas.openxmlformats.org/officeDocument/2006/relationships" xmlns:mc="http://schemas.openxmlformats.org/markup-compatibility/2006" xmlns:mv="urn:schemas-microsoft-com:mac:vml" xmlns:p="http://schemas.openxmlformats.org/presentationml/2006/main" xmlns:c="http://schemas.openxmlformats.org/drawingml/2006/chart" xmlns:dgm="http://schemas.openxmlformats.org/drawingml/2006/diagram" xmlns:o="urn:schemas-microsoft-com:office:office" xmlns:v="urn:schemas-microsoft-com:vml" xmlns:pvml="urn:schemas-microsoft-com:office:powerpoint" xmlns:com="http://schemas.openxmlformats.org/drawingml/2006/compatibility" xmlns:p14="http://schemas.microsoft.com/office/powerpoint/2010/main" xmlns:p15="http://schemas.microsoft.com/office/powerpoint/2012/main">
   <p:cSld>
     <p:spTree>
       <p:nvGrpSpPr>
-        <p:cNvPr id="178" name="Shape 178"/>
+        <p:cNvPr id="184" name="Shape 184"/>
         <p:cNvGrpSpPr/>
         <p:nvPr/>
       </p:nvGrpSpPr>
@@ -27311,7 +28501,7 @@
       </p:grpSpPr>
       <p:sp>
         <p:nvSpPr>
-          <p:cNvPr id="179" name="Google Shape;179;p18"/>
+          <p:cNvPr id="185" name="Google Shape;185;p19"/>
           <p:cNvSpPr txBox="1"/>
           <p:nvPr>
             <p:ph type="title"/>
@@ -27343,7 +28533,7 @@
             </a:pPr>
             <a:r>
               <a:rPr lang="en-GB"/>
-              <a:t>Data Analysis</a:t>
+              <a:t>Data Analysis - Missing Values</a:t>
             </a:r>
             <a:endParaRPr/>
           </a:p>
@@ -27351,7 +28541,7 @@
       </p:sp>
       <p:pic>
         <p:nvPicPr>
-          <p:cNvPr id="180" name="Google Shape;180;p18"/>
+          <p:cNvPr id="186" name="Google Shape;186;p19"/>
           <p:cNvPicPr preferRelativeResize="0"/>
           <p:nvPr/>
         </p:nvPicPr>
@@ -27365,8 +28555,8 @@
         </p:blipFill>
         <p:spPr>
           <a:xfrm>
-            <a:off x="1656262" y="916675"/>
-            <a:ext cx="6499275" cy="3951326"/>
+            <a:off x="1620588" y="916675"/>
+            <a:ext cx="6570616" cy="4226825"/>
           </a:xfrm>
           <a:prstGeom prst="rect">
             <a:avLst/>
@@ -27379,7 +28569,7 @@
       </p:pic>
       <p:sp>
         <p:nvSpPr>
-          <p:cNvPr id="181" name="Google Shape;181;p18"/>
+          <p:cNvPr id="187" name="Google Shape;187;p19"/>
           <p:cNvSpPr txBox="1"/>
           <p:nvPr/>
         </p:nvSpPr>
@@ -27423,103 +28613,6 @@
           </a:p>
         </p:txBody>
       </p:sp>
-    </p:spTree>
-  </p:cSld>
-  <p:clrMapOvr>
-    <a:masterClrMapping/>
-  </p:clrMapOvr>
-</p:sld>
-</file>
-
-<file path=ppt/slides/slide6.xml><?xml version="1.0" encoding="utf-8"?>
-<p:sld xmlns:a="http://schemas.openxmlformats.org/drawingml/2006/main" xmlns:r="http://schemas.openxmlformats.org/officeDocument/2006/relationships" xmlns:mc="http://schemas.openxmlformats.org/markup-compatibility/2006" xmlns:mv="urn:schemas-microsoft-com:mac:vml" xmlns:p="http://schemas.openxmlformats.org/presentationml/2006/main" xmlns:c="http://schemas.openxmlformats.org/drawingml/2006/chart" xmlns:dgm="http://schemas.openxmlformats.org/drawingml/2006/diagram" xmlns:o="urn:schemas-microsoft-com:office:office" xmlns:v="urn:schemas-microsoft-com:vml" xmlns:pvml="urn:schemas-microsoft-com:office:powerpoint" xmlns:com="http://schemas.openxmlformats.org/drawingml/2006/compatibility" xmlns:p14="http://schemas.microsoft.com/office/powerpoint/2010/main" xmlns:p15="http://schemas.microsoft.com/office/powerpoint/2012/main">
-  <p:cSld>
-    <p:spTree>
-      <p:nvGrpSpPr>
-        <p:cNvPr id="185" name="Shape 185"/>
-        <p:cNvGrpSpPr/>
-        <p:nvPr/>
-      </p:nvGrpSpPr>
-      <p:grpSpPr>
-        <a:xfrm>
-          <a:off x="0" y="0"/>
-          <a:ext cx="0" cy="0"/>
-          <a:chOff x="0" y="0"/>
-          <a:chExt cx="0" cy="0"/>
-        </a:xfrm>
-      </p:grpSpPr>
-      <p:sp>
-        <p:nvSpPr>
-          <p:cNvPr id="186" name="Google Shape;186;p19"/>
-          <p:cNvSpPr txBox="1"/>
-          <p:nvPr>
-            <p:ph type="title"/>
-          </p:nvPr>
-        </p:nvSpPr>
-        <p:spPr>
-          <a:xfrm>
-            <a:off x="1059758" y="92884"/>
-            <a:ext cx="7692300" cy="823800"/>
-          </a:xfrm>
-          <a:prstGeom prst="rect">
-            <a:avLst/>
-          </a:prstGeom>
-        </p:spPr>
-        <p:txBody>
-          <a:bodyPr anchorCtr="0" anchor="ctr" bIns="45700" lIns="91425" spcFirstLastPara="1" rIns="91425" wrap="square" tIns="45700">
-            <a:noAutofit/>
-          </a:bodyPr>
-          <a:lstStyle/>
-          <a:p>
-            <a:pPr indent="0" lvl="0" marL="0" rtl="0" algn="l">
-              <a:spcBef>
-                <a:spcPts val="0"/>
-              </a:spcBef>
-              <a:spcAft>
-                <a:spcPts val="0"/>
-              </a:spcAft>
-              <a:buNone/>
-            </a:pPr>
-            <a:r>
-              <a:rPr lang="en-GB"/>
-              <a:t>Correlations</a:t>
-            </a:r>
-            <a:r>
-              <a:rPr lang="en-GB"/>
-              <a:t> of Features</a:t>
-            </a:r>
-            <a:endParaRPr/>
-          </a:p>
-        </p:txBody>
-      </p:sp>
-      <p:pic>
-        <p:nvPicPr>
-          <p:cNvPr id="187" name="Google Shape;187;p19"/>
-          <p:cNvPicPr preferRelativeResize="0"/>
-          <p:nvPr/>
-        </p:nvPicPr>
-        <p:blipFill>
-          <a:blip r:embed="rId3">
-            <a:alphaModFix/>
-          </a:blip>
-          <a:stretch>
-            <a:fillRect/>
-          </a:stretch>
-        </p:blipFill>
-        <p:spPr>
-          <a:xfrm>
-            <a:off x="1443850" y="916675"/>
-            <a:ext cx="6795374" cy="4226825"/>
-          </a:xfrm>
-          <a:prstGeom prst="rect">
-            <a:avLst/>
-          </a:prstGeom>
-          <a:noFill/>
-          <a:ln>
-            <a:noFill/>
-          </a:ln>
-        </p:spPr>
-      </p:pic>
     </p:spTree>
   </p:cSld>
   <p:clrMapOvr>
@@ -27579,6 +28672,103 @@
             </a:pPr>
             <a:r>
               <a:rPr lang="en-GB"/>
+              <a:t>Correlations</a:t>
+            </a:r>
+            <a:r>
+              <a:rPr lang="en-GB"/>
+              <a:t> of Features</a:t>
+            </a:r>
+            <a:endParaRPr/>
+          </a:p>
+        </p:txBody>
+      </p:sp>
+      <p:pic>
+        <p:nvPicPr>
+          <p:cNvPr id="193" name="Google Shape;193;p20"/>
+          <p:cNvPicPr preferRelativeResize="0"/>
+          <p:nvPr/>
+        </p:nvPicPr>
+        <p:blipFill>
+          <a:blip r:embed="rId3">
+            <a:alphaModFix/>
+          </a:blip>
+          <a:stretch>
+            <a:fillRect/>
+          </a:stretch>
+        </p:blipFill>
+        <p:spPr>
+          <a:xfrm>
+            <a:off x="1443850" y="843000"/>
+            <a:ext cx="6913825" cy="4300500"/>
+          </a:xfrm>
+          <a:prstGeom prst="rect">
+            <a:avLst/>
+          </a:prstGeom>
+          <a:noFill/>
+          <a:ln>
+            <a:noFill/>
+          </a:ln>
+        </p:spPr>
+      </p:pic>
+    </p:spTree>
+  </p:cSld>
+  <p:clrMapOvr>
+    <a:masterClrMapping/>
+  </p:clrMapOvr>
+</p:sld>
+</file>
+
+<file path=ppt/slides/slide8.xml><?xml version="1.0" encoding="utf-8"?>
+<p:sld xmlns:a="http://schemas.openxmlformats.org/drawingml/2006/main" xmlns:r="http://schemas.openxmlformats.org/officeDocument/2006/relationships" xmlns:mc="http://schemas.openxmlformats.org/markup-compatibility/2006" xmlns:mv="urn:schemas-microsoft-com:mac:vml" xmlns:p="http://schemas.openxmlformats.org/presentationml/2006/main" xmlns:c="http://schemas.openxmlformats.org/drawingml/2006/chart" xmlns:dgm="http://schemas.openxmlformats.org/drawingml/2006/diagram" xmlns:o="urn:schemas-microsoft-com:office:office" xmlns:v="urn:schemas-microsoft-com:vml" xmlns:pvml="urn:schemas-microsoft-com:office:powerpoint" xmlns:com="http://schemas.openxmlformats.org/drawingml/2006/compatibility" xmlns:p14="http://schemas.microsoft.com/office/powerpoint/2010/main" xmlns:p15="http://schemas.microsoft.com/office/powerpoint/2012/main">
+  <p:cSld>
+    <p:spTree>
+      <p:nvGrpSpPr>
+        <p:cNvPr id="197" name="Shape 197"/>
+        <p:cNvGrpSpPr/>
+        <p:nvPr/>
+      </p:nvGrpSpPr>
+      <p:grpSpPr>
+        <a:xfrm>
+          <a:off x="0" y="0"/>
+          <a:ext cx="0" cy="0"/>
+          <a:chOff x="0" y="0"/>
+          <a:chExt cx="0" cy="0"/>
+        </a:xfrm>
+      </p:grpSpPr>
+      <p:sp>
+        <p:nvSpPr>
+          <p:cNvPr id="198" name="Google Shape;198;p21"/>
+          <p:cNvSpPr txBox="1"/>
+          <p:nvPr>
+            <p:ph type="title"/>
+          </p:nvPr>
+        </p:nvSpPr>
+        <p:spPr>
+          <a:xfrm>
+            <a:off x="1059758" y="92884"/>
+            <a:ext cx="7692300" cy="823800"/>
+          </a:xfrm>
+          <a:prstGeom prst="rect">
+            <a:avLst/>
+          </a:prstGeom>
+        </p:spPr>
+        <p:txBody>
+          <a:bodyPr anchorCtr="0" anchor="ctr" bIns="45700" lIns="91425" spcFirstLastPara="1" rIns="91425" wrap="square" tIns="45700">
+            <a:noAutofit/>
+          </a:bodyPr>
+          <a:lstStyle/>
+          <a:p>
+            <a:pPr indent="0" lvl="0" marL="0" rtl="0" algn="l">
+              <a:spcBef>
+                <a:spcPts val="0"/>
+              </a:spcBef>
+              <a:spcAft>
+                <a:spcPts val="0"/>
+              </a:spcAft>
+              <a:buNone/>
+            </a:pPr>
+            <a:r>
+              <a:rPr lang="en-GB"/>
               <a:t>First Model Training</a:t>
             </a:r>
             <a:endParaRPr/>
@@ -27587,7 +28777,7 @@
       </p:sp>
       <p:sp>
         <p:nvSpPr>
-          <p:cNvPr id="193" name="Google Shape;193;p20"/>
+          <p:cNvPr id="199" name="Google Shape;199;p21"/>
           <p:cNvSpPr txBox="1"/>
           <p:nvPr>
             <p:ph idx="1" type="body"/>
@@ -27739,7 +28929,7 @@
       </p:sp>
       <p:sp>
         <p:nvSpPr>
-          <p:cNvPr id="194" name="Google Shape;194;p20"/>
+          <p:cNvPr id="200" name="Google Shape;200;p21"/>
           <p:cNvSpPr txBox="1"/>
           <p:nvPr/>
         </p:nvSpPr>
@@ -27866,7 +29056,7 @@
                                           </p:stCondLst>
                                         </p:cTn>
                                         <p:tgtEl>
-                                          <p:spTgt spid="194"/>
+                                          <p:spTgt spid="200"/>
                                         </p:tgtEl>
                                         <p:attrNameLst>
                                           <p:attrName>style.visibility</p:attrName>
@@ -27880,7 +29070,7 @@
                                       <p:cBhvr additive="base">
                                         <p:cTn dur="1000"/>
                                         <p:tgtEl>
-                                          <p:spTgt spid="194"/>
+                                          <p:spTgt spid="200"/>
                                         </p:tgtEl>
                                         <p:attrNameLst>
                                           <p:attrName>ppt_x</p:attrName>
@@ -27933,12 +29123,12 @@
 </p:sld>
 </file>
 
-<file path=ppt/slides/slide8.xml><?xml version="1.0" encoding="utf-8"?>
+<file path=ppt/slides/slide9.xml><?xml version="1.0" encoding="utf-8"?>
 <p:sld xmlns:a="http://schemas.openxmlformats.org/drawingml/2006/main" xmlns:r="http://schemas.openxmlformats.org/officeDocument/2006/relationships" xmlns:mc="http://schemas.openxmlformats.org/markup-compatibility/2006" xmlns:mv="urn:schemas-microsoft-com:mac:vml" xmlns:p="http://schemas.openxmlformats.org/presentationml/2006/main" xmlns:c="http://schemas.openxmlformats.org/drawingml/2006/chart" xmlns:dgm="http://schemas.openxmlformats.org/drawingml/2006/diagram" xmlns:o="urn:schemas-microsoft-com:office:office" xmlns:v="urn:schemas-microsoft-com:vml" xmlns:pvml="urn:schemas-microsoft-com:office:powerpoint" xmlns:com="http://schemas.openxmlformats.org/drawingml/2006/compatibility" xmlns:p14="http://schemas.microsoft.com/office/powerpoint/2010/main" xmlns:p15="http://schemas.microsoft.com/office/powerpoint/2012/main">
   <p:cSld>
     <p:spTree>
       <p:nvGrpSpPr>
-        <p:cNvPr id="198" name="Shape 198"/>
+        <p:cNvPr id="204" name="Shape 204"/>
         <p:cNvGrpSpPr/>
         <p:nvPr/>
       </p:nvGrpSpPr>
@@ -27952,7 +29142,7 @@
       </p:grpSpPr>
       <p:sp>
         <p:nvSpPr>
-          <p:cNvPr id="199" name="Google Shape;199;p21"/>
+          <p:cNvPr id="205" name="Google Shape;205;p22"/>
           <p:cNvSpPr txBox="1"/>
           <p:nvPr>
             <p:ph type="title"/>
@@ -27992,7 +29182,7 @@
       </p:sp>
       <p:sp>
         <p:nvSpPr>
-          <p:cNvPr id="200" name="Google Shape;200;p21"/>
+          <p:cNvPr id="206" name="Google Shape;206;p22"/>
           <p:cNvSpPr txBox="1"/>
           <p:nvPr>
             <p:ph idx="1" type="body"/>
@@ -28092,7 +29282,7 @@
       </p:sp>
       <p:graphicFrame>
         <p:nvGraphicFramePr>
-          <p:cNvPr id="201" name="Google Shape;201;p21"/>
+          <p:cNvPr id="207" name="Google Shape;207;p22"/>
           <p:cNvGraphicFramePr/>
           <p:nvPr/>
         </p:nvGraphicFramePr>
@@ -28105,7 +29295,7 @@
             <a:tbl>
               <a:tblPr>
                 <a:noFill/>
-                <a:tableStyleId>{8DECEE14-56B1-487C-8269-D54D2DD6200A}</a:tableStyleId>
+                <a:tableStyleId>{C9E910F8-3F2F-4AAA-A7B5-B0ACB2F134D9}</a:tableStyleId>
               </a:tblPr>
               <a:tblGrid>
                 <a:gridCol w="2213275"/>
@@ -28712,483 +29902,286 @@
 </p:sld>
 </file>
 
-<file path=ppt/slides/slide9.xml><?xml version="1.0" encoding="utf-8"?>
-<p:sld xmlns:a="http://schemas.openxmlformats.org/drawingml/2006/main" xmlns:r="http://schemas.openxmlformats.org/officeDocument/2006/relationships" xmlns:mc="http://schemas.openxmlformats.org/markup-compatibility/2006" xmlns:mv="urn:schemas-microsoft-com:mac:vml" xmlns:p="http://schemas.openxmlformats.org/presentationml/2006/main" xmlns:c="http://schemas.openxmlformats.org/drawingml/2006/chart" xmlns:dgm="http://schemas.openxmlformats.org/drawingml/2006/diagram" xmlns:o="urn:schemas-microsoft-com:office:office" xmlns:v="urn:schemas-microsoft-com:vml" xmlns:pvml="urn:schemas-microsoft-com:office:powerpoint" xmlns:com="http://schemas.openxmlformats.org/drawingml/2006/compatibility" xmlns:p14="http://schemas.microsoft.com/office/powerpoint/2010/main" xmlns:p15="http://schemas.microsoft.com/office/powerpoint/2012/main">
-  <p:cSld>
-    <p:spTree>
-      <p:nvGrpSpPr>
-        <p:cNvPr id="205" name="Shape 205"/>
-        <p:cNvGrpSpPr/>
-        <p:nvPr/>
-      </p:nvGrpSpPr>
-      <p:grpSpPr>
-        <a:xfrm>
-          <a:off x="0" y="0"/>
-          <a:ext cx="0" cy="0"/>
-          <a:chOff x="0" y="0"/>
-          <a:chExt cx="0" cy="0"/>
-        </a:xfrm>
-      </p:grpSpPr>
-      <p:sp>
-        <p:nvSpPr>
-          <p:cNvPr id="206" name="Google Shape;206;p22"/>
-          <p:cNvSpPr txBox="1"/>
-          <p:nvPr>
-            <p:ph type="title"/>
-          </p:nvPr>
-        </p:nvSpPr>
-        <p:spPr>
-          <a:xfrm>
-            <a:off x="1059758" y="141059"/>
-            <a:ext cx="7692300" cy="823800"/>
-          </a:xfrm>
-          <a:prstGeom prst="rect">
-            <a:avLst/>
-          </a:prstGeom>
-        </p:spPr>
-        <p:txBody>
-          <a:bodyPr anchorCtr="0" anchor="ctr" bIns="45700" lIns="91425" spcFirstLastPara="1" rIns="91425" wrap="square" tIns="45700">
-            <a:noAutofit/>
-          </a:bodyPr>
-          <a:lstStyle/>
-          <a:p>
-            <a:pPr indent="0" lvl="0" marL="0" rtl="0" algn="l">
-              <a:spcBef>
-                <a:spcPts val="0"/>
-              </a:spcBef>
-              <a:spcAft>
-                <a:spcPts val="0"/>
-              </a:spcAft>
-              <a:buNone/>
-            </a:pPr>
-            <a:r>
-              <a:rPr lang="en-GB"/>
-              <a:t>Data Preprocessing</a:t>
-            </a:r>
-            <a:endParaRPr/>
-          </a:p>
-        </p:txBody>
-      </p:sp>
-      <p:sp>
-        <p:nvSpPr>
-          <p:cNvPr id="207" name="Google Shape;207;p22"/>
-          <p:cNvSpPr txBox="1"/>
-          <p:nvPr>
-            <p:ph idx="1" type="body"/>
-          </p:nvPr>
-        </p:nvSpPr>
-        <p:spPr>
-          <a:xfrm>
-            <a:off x="1059758" y="860008"/>
-            <a:ext cx="7692300" cy="3604200"/>
-          </a:xfrm>
-          <a:prstGeom prst="rect">
-            <a:avLst/>
-          </a:prstGeom>
-        </p:spPr>
-        <p:txBody>
-          <a:bodyPr anchorCtr="0" anchor="t" bIns="45700" lIns="91425" spcFirstLastPara="1" rIns="91425" wrap="square" tIns="45700">
-            <a:noAutofit/>
-          </a:bodyPr>
-          <a:lstStyle/>
-          <a:p>
-            <a:pPr indent="-349250" lvl="0" marL="457200" rtl="0" algn="l">
-              <a:lnSpc>
-                <a:spcPct val="115000"/>
-              </a:lnSpc>
-              <a:spcBef>
-                <a:spcPts val="1000"/>
-              </a:spcBef>
-              <a:spcAft>
-                <a:spcPts val="0"/>
-              </a:spcAft>
-              <a:buSzPts val="1900"/>
-              <a:buFont typeface="Spectral"/>
-              <a:buChar char="●"/>
-            </a:pPr>
-            <a:r>
-              <a:rPr lang="en-GB" sz="1900">
-                <a:latin typeface="Spectral"/>
-                <a:ea typeface="Spectral"/>
-                <a:cs typeface="Spectral"/>
-                <a:sym typeface="Spectral"/>
-              </a:rPr>
-              <a:t>M</a:t>
-            </a:r>
-            <a:r>
-              <a:rPr lang="en-GB" sz="1900">
-                <a:latin typeface="Spectral"/>
-                <a:ea typeface="Spectral"/>
-                <a:cs typeface="Spectral"/>
-                <a:sym typeface="Spectral"/>
-              </a:rPr>
-              <a:t>issing values:</a:t>
-            </a:r>
-            <a:endParaRPr sz="1900">
-              <a:latin typeface="Spectral"/>
-              <a:ea typeface="Spectral"/>
-              <a:cs typeface="Spectral"/>
-              <a:sym typeface="Spectral"/>
-            </a:endParaRPr>
-          </a:p>
-          <a:p>
-            <a:pPr indent="-349249" lvl="0" marL="899999" rtl="0" algn="l">
-              <a:lnSpc>
-                <a:spcPct val="115000"/>
-              </a:lnSpc>
-              <a:spcBef>
-                <a:spcPts val="0"/>
-              </a:spcBef>
-              <a:spcAft>
-                <a:spcPts val="0"/>
-              </a:spcAft>
-              <a:buSzPts val="1900"/>
-              <a:buFont typeface="Spectral"/>
-              <a:buChar char="➢"/>
-            </a:pPr>
-            <a:r>
-              <a:rPr lang="en-GB" sz="1900">
-                <a:latin typeface="Spectral"/>
-                <a:ea typeface="Spectral"/>
-                <a:cs typeface="Spectral"/>
-                <a:sym typeface="Spectral"/>
-              </a:rPr>
-              <a:t>Mean over timestamp</a:t>
-            </a:r>
-            <a:endParaRPr sz="1900">
-              <a:latin typeface="Spectral"/>
-              <a:ea typeface="Spectral"/>
-              <a:cs typeface="Spectral"/>
-              <a:sym typeface="Spectral"/>
-            </a:endParaRPr>
-          </a:p>
-          <a:p>
-            <a:pPr indent="-349249" lvl="0" marL="899999" rtl="0" algn="l">
-              <a:lnSpc>
-                <a:spcPct val="115000"/>
-              </a:lnSpc>
-              <a:spcBef>
-                <a:spcPts val="0"/>
-              </a:spcBef>
-              <a:spcAft>
-                <a:spcPts val="0"/>
-              </a:spcAft>
-              <a:buSzPts val="1900"/>
-              <a:buFont typeface="Spectral"/>
-              <a:buChar char="➢"/>
-            </a:pPr>
-            <a:r>
-              <a:rPr lang="en-GB" sz="1900">
-                <a:latin typeface="Spectral"/>
-                <a:ea typeface="Spectral"/>
-                <a:cs typeface="Spectral"/>
-                <a:sym typeface="Spectral"/>
-              </a:rPr>
-              <a:t>Median due to outliers</a:t>
-            </a:r>
-            <a:endParaRPr sz="1900">
-              <a:latin typeface="Spectral"/>
-              <a:ea typeface="Spectral"/>
-              <a:cs typeface="Spectral"/>
-              <a:sym typeface="Spectral"/>
-            </a:endParaRPr>
-          </a:p>
-          <a:p>
-            <a:pPr indent="-349250" lvl="0" marL="457200" rtl="0" algn="l">
-              <a:lnSpc>
-                <a:spcPct val="115000"/>
-              </a:lnSpc>
-              <a:spcBef>
-                <a:spcPts val="0"/>
-              </a:spcBef>
-              <a:spcAft>
-                <a:spcPts val="0"/>
-              </a:spcAft>
-              <a:buSzPts val="1900"/>
-              <a:buFont typeface="Spectral"/>
-              <a:buChar char="●"/>
-            </a:pPr>
-            <a:r>
-              <a:rPr lang="en-GB" sz="1900">
-                <a:latin typeface="Spectral"/>
-                <a:ea typeface="Spectral"/>
-                <a:cs typeface="Spectral"/>
-                <a:sym typeface="Spectral"/>
-              </a:rPr>
-              <a:t>Feature Normalization</a:t>
-            </a:r>
-            <a:endParaRPr sz="1900">
-              <a:latin typeface="Spectral"/>
-              <a:ea typeface="Spectral"/>
-              <a:cs typeface="Spectral"/>
-              <a:sym typeface="Spectral"/>
-            </a:endParaRPr>
-          </a:p>
-          <a:p>
-            <a:pPr indent="-349249" lvl="0" marL="899999" rtl="0" algn="l">
-              <a:lnSpc>
-                <a:spcPct val="115000"/>
-              </a:lnSpc>
-              <a:spcBef>
-                <a:spcPts val="0"/>
-              </a:spcBef>
-              <a:spcAft>
-                <a:spcPts val="0"/>
-              </a:spcAft>
-              <a:buSzPts val="1900"/>
-              <a:buFont typeface="Spectral"/>
-              <a:buChar char="➢"/>
-            </a:pPr>
-            <a:r>
-              <a:rPr lang="en-GB" sz="1900">
-                <a:latin typeface="Spectral"/>
-                <a:ea typeface="Spectral"/>
-                <a:cs typeface="Spectral"/>
-                <a:sym typeface="Spectral"/>
-              </a:rPr>
-              <a:t>Log on square_fee</a:t>
-            </a:r>
-            <a:r>
-              <a:rPr lang="en-GB" sz="1900">
-                <a:latin typeface="Spectral"/>
-                <a:ea typeface="Spectral"/>
-                <a:cs typeface="Spectral"/>
-                <a:sym typeface="Spectral"/>
-              </a:rPr>
-              <a:t>t</a:t>
-            </a:r>
-            <a:endParaRPr sz="1900">
-              <a:latin typeface="Spectral"/>
-              <a:ea typeface="Spectral"/>
-              <a:cs typeface="Spectral"/>
-              <a:sym typeface="Spectral"/>
-            </a:endParaRPr>
-          </a:p>
-          <a:p>
-            <a:pPr indent="-349249" lvl="0" marL="899999" rtl="0" algn="l">
-              <a:lnSpc>
-                <a:spcPct val="115000"/>
-              </a:lnSpc>
-              <a:spcBef>
-                <a:spcPts val="0"/>
-              </a:spcBef>
-              <a:spcAft>
-                <a:spcPts val="0"/>
-              </a:spcAft>
-              <a:buSzPts val="1900"/>
-              <a:buFont typeface="Spectral"/>
-              <a:buChar char="➢"/>
-            </a:pPr>
-            <a:r>
-              <a:rPr lang="en-GB" sz="1900">
-                <a:latin typeface="Spectral"/>
-                <a:ea typeface="Spectral"/>
-                <a:cs typeface="Spectral"/>
-                <a:sym typeface="Spectral"/>
-              </a:rPr>
-              <a:t>Degree to 16 compass directions for wind direction</a:t>
-            </a:r>
-            <a:endParaRPr sz="1900">
-              <a:latin typeface="Spectral"/>
-              <a:ea typeface="Spectral"/>
-              <a:cs typeface="Spectral"/>
-              <a:sym typeface="Spectral"/>
-            </a:endParaRPr>
-          </a:p>
-          <a:p>
-            <a:pPr indent="-349249" lvl="0" marL="899999" rtl="0" algn="l">
-              <a:lnSpc>
-                <a:spcPct val="115000"/>
-              </a:lnSpc>
-              <a:spcBef>
-                <a:spcPts val="0"/>
-              </a:spcBef>
-              <a:spcAft>
-                <a:spcPts val="0"/>
-              </a:spcAft>
-              <a:buSzPts val="1900"/>
-              <a:buFont typeface="Spectral"/>
-              <a:buChar char="➢"/>
-            </a:pPr>
-            <a:r>
-              <a:rPr lang="en-GB" sz="1900">
-                <a:latin typeface="Spectral"/>
-                <a:ea typeface="Spectral"/>
-                <a:cs typeface="Spectral"/>
-                <a:sym typeface="Spectral"/>
-              </a:rPr>
-              <a:t>Wind Speed to </a:t>
-            </a:r>
-            <a:r>
-              <a:rPr lang="en-GB" sz="1900">
-                <a:solidFill>
-                  <a:schemeClr val="dk1"/>
-                </a:solidFill>
-                <a:highlight>
-                  <a:srgbClr val="FFFFFE"/>
-                </a:highlight>
-                <a:latin typeface="Spectral"/>
-                <a:ea typeface="Spectral"/>
-                <a:cs typeface="Spectral"/>
-                <a:sym typeface="Spectral"/>
-              </a:rPr>
-              <a:t>beaufort scale </a:t>
-            </a:r>
-            <a:r>
-              <a:rPr lang="en-GB" sz="1200">
-                <a:solidFill>
-                  <a:srgbClr val="000000"/>
-                </a:solidFill>
-                <a:highlight>
-                  <a:srgbClr val="FFFFFE"/>
-                </a:highlight>
-                <a:latin typeface="Spectral"/>
-                <a:ea typeface="Spectral"/>
-                <a:cs typeface="Spectral"/>
-                <a:sym typeface="Spectral"/>
-              </a:rPr>
-              <a:t>(</a:t>
-            </a:r>
-            <a:r>
-              <a:rPr lang="en-GB" sz="1200">
-                <a:solidFill>
-                  <a:srgbClr val="000000"/>
-                </a:solidFill>
-                <a:highlight>
-                  <a:srgbClr val="FFFFFF"/>
-                </a:highlight>
-                <a:uFill>
-                  <a:noFill/>
-                </a:uFill>
-                <a:latin typeface="Spectral"/>
-                <a:ea typeface="Spectral"/>
-                <a:cs typeface="Spectral"/>
-                <a:sym typeface="Spectral"/>
-                <a:hlinkClick r:id="rId3"/>
-              </a:rPr>
-              <a:t>wind speed</a:t>
-            </a:r>
-            <a:r>
-              <a:rPr lang="en-GB" sz="1200">
-                <a:solidFill>
-                  <a:srgbClr val="000000"/>
-                </a:solidFill>
-                <a:highlight>
-                  <a:srgbClr val="FFFFFF"/>
-                </a:highlight>
-                <a:latin typeface="Spectral"/>
-                <a:ea typeface="Spectral"/>
-                <a:cs typeface="Spectral"/>
-                <a:sym typeface="Spectral"/>
-              </a:rPr>
-              <a:t> to observed conditions at land)</a:t>
-            </a:r>
-            <a:endParaRPr sz="1200">
-              <a:solidFill>
-                <a:srgbClr val="000000"/>
-              </a:solidFill>
-              <a:highlight>
-                <a:srgbClr val="FFFFFE"/>
-              </a:highlight>
-              <a:latin typeface="Spectral"/>
-              <a:ea typeface="Spectral"/>
-              <a:cs typeface="Spectral"/>
-              <a:sym typeface="Spectral"/>
-            </a:endParaRPr>
-          </a:p>
-          <a:p>
-            <a:pPr indent="-349250" lvl="0" marL="457200" rtl="0" algn="l">
-              <a:lnSpc>
-                <a:spcPct val="115000"/>
-              </a:lnSpc>
-              <a:spcBef>
-                <a:spcPts val="0"/>
-              </a:spcBef>
-              <a:spcAft>
-                <a:spcPts val="0"/>
-              </a:spcAft>
-              <a:buSzPts val="1900"/>
-              <a:buFont typeface="Spectral"/>
-              <a:buChar char="●"/>
-            </a:pPr>
-            <a:r>
-              <a:rPr lang="en-GB" sz="1900">
-                <a:latin typeface="Spectral"/>
-                <a:ea typeface="Spectral"/>
-                <a:cs typeface="Spectral"/>
-                <a:sym typeface="Spectral"/>
-              </a:rPr>
-              <a:t>Timestamp to hour and week of day</a:t>
-            </a:r>
-            <a:endParaRPr sz="1900">
-              <a:latin typeface="Spectral"/>
-              <a:ea typeface="Spectral"/>
-              <a:cs typeface="Spectral"/>
-              <a:sym typeface="Spectral"/>
-            </a:endParaRPr>
-          </a:p>
-          <a:p>
-            <a:pPr indent="-349250" lvl="0" marL="457200" rtl="0" algn="l">
-              <a:lnSpc>
-                <a:spcPct val="115000"/>
-              </a:lnSpc>
-              <a:spcBef>
-                <a:spcPts val="0"/>
-              </a:spcBef>
-              <a:spcAft>
-                <a:spcPts val="0"/>
-              </a:spcAft>
-              <a:buSzPts val="1900"/>
-              <a:buFont typeface="Spectral"/>
-              <a:buChar char="●"/>
-            </a:pPr>
-            <a:r>
-              <a:rPr lang="en-GB" sz="1900">
-                <a:latin typeface="Spectral"/>
-                <a:ea typeface="Spectral"/>
-                <a:cs typeface="Spectral"/>
-                <a:sym typeface="Spectral"/>
-              </a:rPr>
-              <a:t>One hot encoding</a:t>
-            </a:r>
-            <a:endParaRPr sz="1900">
-              <a:latin typeface="Spectral"/>
-              <a:ea typeface="Spectral"/>
-              <a:cs typeface="Spectral"/>
-              <a:sym typeface="Spectral"/>
-            </a:endParaRPr>
-          </a:p>
-          <a:p>
-            <a:pPr indent="0" lvl="0" marL="0" rtl="0" algn="l">
-              <a:spcBef>
-                <a:spcPts val="1000"/>
-              </a:spcBef>
-              <a:spcAft>
-                <a:spcPts val="0"/>
-              </a:spcAft>
-              <a:buNone/>
-            </a:pPr>
-            <a:r>
-              <a:t/>
-            </a:r>
-            <a:endParaRPr sz="1900">
-              <a:latin typeface="Spectral"/>
-              <a:ea typeface="Spectral"/>
-              <a:cs typeface="Spectral"/>
-              <a:sym typeface="Spectral"/>
-            </a:endParaRPr>
-          </a:p>
-        </p:txBody>
-      </p:sp>
-    </p:spTree>
-  </p:cSld>
-  <p:clrMapOvr>
-    <a:masterClrMapping/>
-  </p:clrMapOvr>
-</p:sld>
+<file path=ppt/theme/theme1.xml><?xml version="1.0" encoding="utf-8"?>
+<a:theme xmlns:a="http://schemas.openxmlformats.org/drawingml/2006/main" xmlns:r="http://schemas.openxmlformats.org/officeDocument/2006/relationships" name="2_Custom Design">
+  <a:themeElements>
+    <a:clrScheme name="Office">
+      <a:dk1>
+        <a:srgbClr val="000000"/>
+      </a:dk1>
+      <a:lt1>
+        <a:srgbClr val="FFFFFF"/>
+      </a:lt1>
+      <a:dk2>
+        <a:srgbClr val="44546A"/>
+      </a:dk2>
+      <a:lt2>
+        <a:srgbClr val="E7E6E6"/>
+      </a:lt2>
+      <a:accent1>
+        <a:srgbClr val="5B9BD5"/>
+      </a:accent1>
+      <a:accent2>
+        <a:srgbClr val="ED7D31"/>
+      </a:accent2>
+      <a:accent3>
+        <a:srgbClr val="A5A5A5"/>
+      </a:accent3>
+      <a:accent4>
+        <a:srgbClr val="FFC000"/>
+      </a:accent4>
+      <a:accent5>
+        <a:srgbClr val="4472C4"/>
+      </a:accent5>
+      <a:accent6>
+        <a:srgbClr val="70AD47"/>
+      </a:accent6>
+      <a:hlink>
+        <a:srgbClr val="0563C1"/>
+      </a:hlink>
+      <a:folHlink>
+        <a:srgbClr val="954F72"/>
+      </a:folHlink>
+    </a:clrScheme>
+    <a:fontScheme name="Office">
+      <a:majorFont>
+        <a:latin typeface="Arial"/>
+        <a:ea typeface=""/>
+        <a:cs typeface=""/>
+        <a:font script="Jpan" typeface="ＭＳ Ｐゴシック"/>
+        <a:font script="Hang" typeface="맑은 고딕"/>
+        <a:font script="Hans" typeface="宋体"/>
+        <a:font script="Hant" typeface="新細明體"/>
+        <a:font script="Arab" typeface="Times New Roman"/>
+        <a:font script="Hebr" typeface="Times New Roman"/>
+        <a:font script="Thai" typeface="Angsana New"/>
+        <a:font script="Ethi" typeface="Nyala"/>
+        <a:font script="Beng" typeface="Vrinda"/>
+        <a:font script="Gujr" typeface="Shruti"/>
+        <a:font script="Khmr" typeface="MoolBoran"/>
+        <a:font script="Knda" typeface="Tunga"/>
+        <a:font script="Guru" typeface="Raavi"/>
+        <a:font script="Cans" typeface="Euphemia"/>
+        <a:font script="Cher" typeface="Plantagenet Cherokee"/>
+        <a:font script="Yiii" typeface="Microsoft Yi Baiti"/>
+        <a:font script="Tibt" typeface="Microsoft Himalaya"/>
+        <a:font script="Thaa" typeface="MV Boli"/>
+        <a:font script="Deva" typeface="Mangal"/>
+        <a:font script="Telu" typeface="Gautami"/>
+        <a:font script="Taml" typeface="Latha"/>
+        <a:font script="Syrc" typeface="Estrangelo Edessa"/>
+        <a:font script="Orya" typeface="Kalinga"/>
+        <a:font script="Mlym" typeface="Kartika"/>
+        <a:font script="Laoo" typeface="DokChampa"/>
+        <a:font script="Sinh" typeface="Iskoola Pota"/>
+        <a:font script="Mong" typeface="Mongolian Baiti"/>
+        <a:font script="Viet" typeface="Times New Roman"/>
+        <a:font script="Uigh" typeface="Microsoft Uighur"/>
+        <a:font script="Geor" typeface="Sylfaen"/>
+      </a:majorFont>
+      <a:minorFont>
+        <a:latin typeface="Arial"/>
+        <a:ea typeface=""/>
+        <a:cs typeface=""/>
+        <a:font script="Jpan" typeface="ＭＳ Ｐゴシック"/>
+        <a:font script="Hang" typeface="맑은 고딕"/>
+        <a:font script="Hans" typeface="宋体"/>
+        <a:font script="Hant" typeface="新細明體"/>
+        <a:font script="Arab" typeface="Arial"/>
+        <a:font script="Hebr" typeface="Arial"/>
+        <a:font script="Thai" typeface="Cordia New"/>
+        <a:font script="Ethi" typeface="Nyala"/>
+        <a:font script="Beng" typeface="Vrinda"/>
+        <a:font script="Gujr" typeface="Shruti"/>
+        <a:font script="Khmr" typeface="DaunPenh"/>
+        <a:font script="Knda" typeface="Tunga"/>
+        <a:font script="Guru" typeface="Raavi"/>
+        <a:font script="Cans" typeface="Euphemia"/>
+        <a:font script="Cher" typeface="Plantagenet Cherokee"/>
+        <a:font script="Yiii" typeface="Microsoft Yi Baiti"/>
+        <a:font script="Tibt" typeface="Microsoft Himalaya"/>
+        <a:font script="Thaa" typeface="MV Boli"/>
+        <a:font script="Deva" typeface="Mangal"/>
+        <a:font script="Telu" typeface="Gautami"/>
+        <a:font script="Taml" typeface="Latha"/>
+        <a:font script="Syrc" typeface="Estrangelo Edessa"/>
+        <a:font script="Orya" typeface="Kalinga"/>
+        <a:font script="Mlym" typeface="Kartika"/>
+        <a:font script="Laoo" typeface="DokChampa"/>
+        <a:font script="Sinh" typeface="Iskoola Pota"/>
+        <a:font script="Mong" typeface="Mongolian Baiti"/>
+        <a:font script="Viet" typeface="Arial"/>
+        <a:font script="Uigh" typeface="Microsoft Uighur"/>
+        <a:font script="Geor" typeface="Sylfaen"/>
+      </a:minorFont>
+    </a:fontScheme>
+    <a:fmtScheme name="Office">
+      <a:fillStyleLst>
+        <a:solidFill>
+          <a:schemeClr val="phClr"/>
+        </a:solidFill>
+        <a:gradFill rotWithShape="1">
+          <a:gsLst>
+            <a:gs pos="0">
+              <a:schemeClr val="phClr">
+                <a:tint val="50000"/>
+                <a:satMod val="300000"/>
+              </a:schemeClr>
+            </a:gs>
+            <a:gs pos="35000">
+              <a:schemeClr val="phClr">
+                <a:tint val="37000"/>
+                <a:satMod val="300000"/>
+              </a:schemeClr>
+            </a:gs>
+            <a:gs pos="100000">
+              <a:schemeClr val="phClr">
+                <a:tint val="15000"/>
+                <a:satMod val="350000"/>
+              </a:schemeClr>
+            </a:gs>
+          </a:gsLst>
+          <a:lin ang="16200000" scaled="1"/>
+        </a:gradFill>
+        <a:gradFill rotWithShape="1">
+          <a:gsLst>
+            <a:gs pos="0">
+              <a:schemeClr val="phClr">
+                <a:tint val="100000"/>
+                <a:shade val="100000"/>
+                <a:satMod val="130000"/>
+              </a:schemeClr>
+            </a:gs>
+            <a:gs pos="100000">
+              <a:schemeClr val="phClr">
+                <a:tint val="50000"/>
+                <a:shade val="100000"/>
+                <a:satMod val="350000"/>
+              </a:schemeClr>
+            </a:gs>
+          </a:gsLst>
+          <a:lin ang="16200000" scaled="0"/>
+        </a:gradFill>
+      </a:fillStyleLst>
+      <a:lnStyleLst>
+        <a:ln w="9525" cap="flat" cmpd="sng" algn="ctr">
+          <a:solidFill>
+            <a:schemeClr val="phClr">
+              <a:shade val="95000"/>
+              <a:satMod val="105000"/>
+            </a:schemeClr>
+          </a:solidFill>
+          <a:prstDash val="solid"/>
+        </a:ln>
+        <a:ln w="25400" cap="flat" cmpd="sng" algn="ctr">
+          <a:solidFill>
+            <a:schemeClr val="phClr"/>
+          </a:solidFill>
+          <a:prstDash val="solid"/>
+        </a:ln>
+        <a:ln w="38100" cap="flat" cmpd="sng" algn="ctr">
+          <a:solidFill>
+            <a:schemeClr val="phClr"/>
+          </a:solidFill>
+          <a:prstDash val="solid"/>
+        </a:ln>
+      </a:lnStyleLst>
+      <a:effectStyleLst>
+        <a:effectStyle>
+          <a:effectLst>
+            <a:outerShdw blurRad="40000" dist="20000" dir="5400000" rotWithShape="0">
+              <a:srgbClr val="000000">
+                <a:alpha val="38000"/>
+              </a:srgbClr>
+            </a:outerShdw>
+          </a:effectLst>
+        </a:effectStyle>
+        <a:effectStyle>
+          <a:effectLst>
+            <a:outerShdw blurRad="40000" dist="23000" dir="5400000" rotWithShape="0">
+              <a:srgbClr val="000000">
+                <a:alpha val="35000"/>
+              </a:srgbClr>
+            </a:outerShdw>
+          </a:effectLst>
+        </a:effectStyle>
+        <a:effectStyle>
+          <a:effectLst>
+            <a:outerShdw blurRad="40000" dist="23000" dir="5400000" rotWithShape="0">
+              <a:srgbClr val="000000">
+                <a:alpha val="35000"/>
+              </a:srgbClr>
+            </a:outerShdw>
+          </a:effectLst>
+          <a:scene3d>
+            <a:camera prst="orthographicFront">
+              <a:rot lat="0" lon="0" rev="0"/>
+            </a:camera>
+            <a:lightRig rig="threePt" dir="t">
+              <a:rot lat="0" lon="0" rev="1200000"/>
+            </a:lightRig>
+          </a:scene3d>
+          <a:sp3d>
+            <a:bevelT w="63500" h="25400"/>
+          </a:sp3d>
+        </a:effectStyle>
+      </a:effectStyleLst>
+      <a:bgFillStyleLst>
+        <a:solidFill>
+          <a:schemeClr val="phClr"/>
+        </a:solidFill>
+        <a:gradFill rotWithShape="1">
+          <a:gsLst>
+            <a:gs pos="0">
+              <a:schemeClr val="phClr">
+                <a:tint val="40000"/>
+                <a:satMod val="350000"/>
+              </a:schemeClr>
+            </a:gs>
+            <a:gs pos="40000">
+              <a:schemeClr val="phClr">
+                <a:tint val="45000"/>
+                <a:shade val="99000"/>
+                <a:satMod val="350000"/>
+              </a:schemeClr>
+            </a:gs>
+            <a:gs pos="100000">
+              <a:schemeClr val="phClr">
+                <a:shade val="20000"/>
+                <a:satMod val="255000"/>
+              </a:schemeClr>
+            </a:gs>
+          </a:gsLst>
+          <a:path path="circle">
+            <a:fillToRect l="50000" t="-80000" r="50000" b="180000"/>
+          </a:path>
+        </a:gradFill>
+        <a:gradFill rotWithShape="1">
+          <a:gsLst>
+            <a:gs pos="0">
+              <a:schemeClr val="phClr">
+                <a:tint val="80000"/>
+                <a:satMod val="300000"/>
+              </a:schemeClr>
+            </a:gs>
+            <a:gs pos="100000">
+              <a:schemeClr val="phClr">
+                <a:shade val="30000"/>
+                <a:satMod val="200000"/>
+              </a:schemeClr>
+            </a:gs>
+          </a:gsLst>
+          <a:path path="circle">
+            <a:fillToRect l="50000" t="50000" r="50000" b="50000"/>
+          </a:path>
+        </a:gradFill>
+      </a:bgFillStyleLst>
+    </a:fmtScheme>
+  </a:themeElements>
+</a:theme>
 </file>
 
-<file path=ppt/theme/theme1.xml><?xml version="1.0" encoding="utf-8"?>
+<file path=ppt/theme/theme2.xml><?xml version="1.0" encoding="utf-8"?>
 <a:theme xmlns:a="http://schemas.openxmlformats.org/drawingml/2006/main" xmlns:r="http://schemas.openxmlformats.org/officeDocument/2006/relationships">
   <a:themeElements>
     <a:clrScheme name="Default">
@@ -29465,283 +30458,4 @@
     </a:fmtScheme>
   </a:themeElements>
 </a:theme>
-</file>
-
-<file path=ppt/theme/theme2.xml><?xml version="1.0" encoding="utf-8"?>
-<a:theme xmlns:a="http://schemas.openxmlformats.org/drawingml/2006/main" xmlns:r="http://schemas.openxmlformats.org/officeDocument/2006/relationships" name="2_Custom Design">
-  <a:themeElements>
-    <a:clrScheme name="Office">
-      <a:dk1>
-        <a:srgbClr val="000000"/>
-      </a:dk1>
-      <a:lt1>
-        <a:srgbClr val="FFFFFF"/>
-      </a:lt1>
-      <a:dk2>
-        <a:srgbClr val="44546A"/>
-      </a:dk2>
-      <a:lt2>
-        <a:srgbClr val="E7E6E6"/>
-      </a:lt2>
-      <a:accent1>
-        <a:srgbClr val="5B9BD5"/>
-      </a:accent1>
-      <a:accent2>
-        <a:srgbClr val="ED7D31"/>
-      </a:accent2>
-      <a:accent3>
-        <a:srgbClr val="A5A5A5"/>
-      </a:accent3>
-      <a:accent4>
-        <a:srgbClr val="FFC000"/>
-      </a:accent4>
-      <a:accent5>
-        <a:srgbClr val="4472C4"/>
-      </a:accent5>
-      <a:accent6>
-        <a:srgbClr val="70AD47"/>
-      </a:accent6>
-      <a:hlink>
-        <a:srgbClr val="0563C1"/>
-      </a:hlink>
-      <a:folHlink>
-        <a:srgbClr val="954F72"/>
-      </a:folHlink>
-    </a:clrScheme>
-    <a:fontScheme name="Office">
-      <a:majorFont>
-        <a:latin typeface="Arial"/>
-        <a:ea typeface=""/>
-        <a:cs typeface=""/>
-        <a:font script="Jpan" typeface="ＭＳ Ｐゴシック"/>
-        <a:font script="Hang" typeface="맑은 고딕"/>
-        <a:font script="Hans" typeface="宋体"/>
-        <a:font script="Hant" typeface="新細明體"/>
-        <a:font script="Arab" typeface="Times New Roman"/>
-        <a:font script="Hebr" typeface="Times New Roman"/>
-        <a:font script="Thai" typeface="Angsana New"/>
-        <a:font script="Ethi" typeface="Nyala"/>
-        <a:font script="Beng" typeface="Vrinda"/>
-        <a:font script="Gujr" typeface="Shruti"/>
-        <a:font script="Khmr" typeface="MoolBoran"/>
-        <a:font script="Knda" typeface="Tunga"/>
-        <a:font script="Guru" typeface="Raavi"/>
-        <a:font script="Cans" typeface="Euphemia"/>
-        <a:font script="Cher" typeface="Plantagenet Cherokee"/>
-        <a:font script="Yiii" typeface="Microsoft Yi Baiti"/>
-        <a:font script="Tibt" typeface="Microsoft Himalaya"/>
-        <a:font script="Thaa" typeface="MV Boli"/>
-        <a:font script="Deva" typeface="Mangal"/>
-        <a:font script="Telu" typeface="Gautami"/>
-        <a:font script="Taml" typeface="Latha"/>
-        <a:font script="Syrc" typeface="Estrangelo Edessa"/>
-        <a:font script="Orya" typeface="Kalinga"/>
-        <a:font script="Mlym" typeface="Kartika"/>
-        <a:font script="Laoo" typeface="DokChampa"/>
-        <a:font script="Sinh" typeface="Iskoola Pota"/>
-        <a:font script="Mong" typeface="Mongolian Baiti"/>
-        <a:font script="Viet" typeface="Times New Roman"/>
-        <a:font script="Uigh" typeface="Microsoft Uighur"/>
-        <a:font script="Geor" typeface="Sylfaen"/>
-      </a:majorFont>
-      <a:minorFont>
-        <a:latin typeface="Arial"/>
-        <a:ea typeface=""/>
-        <a:cs typeface=""/>
-        <a:font script="Jpan" typeface="ＭＳ Ｐゴシック"/>
-        <a:font script="Hang" typeface="맑은 고딕"/>
-        <a:font script="Hans" typeface="宋体"/>
-        <a:font script="Hant" typeface="新細明體"/>
-        <a:font script="Arab" typeface="Arial"/>
-        <a:font script="Hebr" typeface="Arial"/>
-        <a:font script="Thai" typeface="Cordia New"/>
-        <a:font script="Ethi" typeface="Nyala"/>
-        <a:font script="Beng" typeface="Vrinda"/>
-        <a:font script="Gujr" typeface="Shruti"/>
-        <a:font script="Khmr" typeface="DaunPenh"/>
-        <a:font script="Knda" typeface="Tunga"/>
-        <a:font script="Guru" typeface="Raavi"/>
-        <a:font script="Cans" typeface="Euphemia"/>
-        <a:font script="Cher" typeface="Plantagenet Cherokee"/>
-        <a:font script="Yiii" typeface="Microsoft Yi Baiti"/>
-        <a:font script="Tibt" typeface="Microsoft Himalaya"/>
-        <a:font script="Thaa" typeface="MV Boli"/>
-        <a:font script="Deva" typeface="Mangal"/>
-        <a:font script="Telu" typeface="Gautami"/>
-        <a:font script="Taml" typeface="Latha"/>
-        <a:font script="Syrc" typeface="Estrangelo Edessa"/>
-        <a:font script="Orya" typeface="Kalinga"/>
-        <a:font script="Mlym" typeface="Kartika"/>
-        <a:font script="Laoo" typeface="DokChampa"/>
-        <a:font script="Sinh" typeface="Iskoola Pota"/>
-        <a:font script="Mong" typeface="Mongolian Baiti"/>
-        <a:font script="Viet" typeface="Arial"/>
-        <a:font script="Uigh" typeface="Microsoft Uighur"/>
-        <a:font script="Geor" typeface="Sylfaen"/>
-      </a:minorFont>
-    </a:fontScheme>
-    <a:fmtScheme name="Office">
-      <a:fillStyleLst>
-        <a:solidFill>
-          <a:schemeClr val="phClr"/>
-        </a:solidFill>
-        <a:gradFill rotWithShape="1">
-          <a:gsLst>
-            <a:gs pos="0">
-              <a:schemeClr val="phClr">
-                <a:tint val="50000"/>
-                <a:satMod val="300000"/>
-              </a:schemeClr>
-            </a:gs>
-            <a:gs pos="35000">
-              <a:schemeClr val="phClr">
-                <a:tint val="37000"/>
-                <a:satMod val="300000"/>
-              </a:schemeClr>
-            </a:gs>
-            <a:gs pos="100000">
-              <a:schemeClr val="phClr">
-                <a:tint val="15000"/>
-                <a:satMod val="350000"/>
-              </a:schemeClr>
-            </a:gs>
-          </a:gsLst>
-          <a:lin ang="16200000" scaled="1"/>
-        </a:gradFill>
-        <a:gradFill rotWithShape="1">
-          <a:gsLst>
-            <a:gs pos="0">
-              <a:schemeClr val="phClr">
-                <a:tint val="100000"/>
-                <a:shade val="100000"/>
-                <a:satMod val="130000"/>
-              </a:schemeClr>
-            </a:gs>
-            <a:gs pos="100000">
-              <a:schemeClr val="phClr">
-                <a:tint val="50000"/>
-                <a:shade val="100000"/>
-                <a:satMod val="350000"/>
-              </a:schemeClr>
-            </a:gs>
-          </a:gsLst>
-          <a:lin ang="16200000" scaled="0"/>
-        </a:gradFill>
-      </a:fillStyleLst>
-      <a:lnStyleLst>
-        <a:ln w="9525" cap="flat" cmpd="sng" algn="ctr">
-          <a:solidFill>
-            <a:schemeClr val="phClr">
-              <a:shade val="95000"/>
-              <a:satMod val="105000"/>
-            </a:schemeClr>
-          </a:solidFill>
-          <a:prstDash val="solid"/>
-        </a:ln>
-        <a:ln w="25400" cap="flat" cmpd="sng" algn="ctr">
-          <a:solidFill>
-            <a:schemeClr val="phClr"/>
-          </a:solidFill>
-          <a:prstDash val="solid"/>
-        </a:ln>
-        <a:ln w="38100" cap="flat" cmpd="sng" algn="ctr">
-          <a:solidFill>
-            <a:schemeClr val="phClr"/>
-          </a:solidFill>
-          <a:prstDash val="solid"/>
-        </a:ln>
-      </a:lnStyleLst>
-      <a:effectStyleLst>
-        <a:effectStyle>
-          <a:effectLst>
-            <a:outerShdw blurRad="40000" dist="20000" dir="5400000" rotWithShape="0">
-              <a:srgbClr val="000000">
-                <a:alpha val="38000"/>
-              </a:srgbClr>
-            </a:outerShdw>
-          </a:effectLst>
-        </a:effectStyle>
-        <a:effectStyle>
-          <a:effectLst>
-            <a:outerShdw blurRad="40000" dist="23000" dir="5400000" rotWithShape="0">
-              <a:srgbClr val="000000">
-                <a:alpha val="35000"/>
-              </a:srgbClr>
-            </a:outerShdw>
-          </a:effectLst>
-        </a:effectStyle>
-        <a:effectStyle>
-          <a:effectLst>
-            <a:outerShdw blurRad="40000" dist="23000" dir="5400000" rotWithShape="0">
-              <a:srgbClr val="000000">
-                <a:alpha val="35000"/>
-              </a:srgbClr>
-            </a:outerShdw>
-          </a:effectLst>
-          <a:scene3d>
-            <a:camera prst="orthographicFront">
-              <a:rot lat="0" lon="0" rev="0"/>
-            </a:camera>
-            <a:lightRig rig="threePt" dir="t">
-              <a:rot lat="0" lon="0" rev="1200000"/>
-            </a:lightRig>
-          </a:scene3d>
-          <a:sp3d>
-            <a:bevelT w="63500" h="25400"/>
-          </a:sp3d>
-        </a:effectStyle>
-      </a:effectStyleLst>
-      <a:bgFillStyleLst>
-        <a:solidFill>
-          <a:schemeClr val="phClr"/>
-        </a:solidFill>
-        <a:gradFill rotWithShape="1">
-          <a:gsLst>
-            <a:gs pos="0">
-              <a:schemeClr val="phClr">
-                <a:tint val="40000"/>
-                <a:satMod val="350000"/>
-              </a:schemeClr>
-            </a:gs>
-            <a:gs pos="40000">
-              <a:schemeClr val="phClr">
-                <a:tint val="45000"/>
-                <a:shade val="99000"/>
-                <a:satMod val="350000"/>
-              </a:schemeClr>
-            </a:gs>
-            <a:gs pos="100000">
-              <a:schemeClr val="phClr">
-                <a:shade val="20000"/>
-                <a:satMod val="255000"/>
-              </a:schemeClr>
-            </a:gs>
-          </a:gsLst>
-          <a:path path="circle">
-            <a:fillToRect l="50000" t="-80000" r="50000" b="180000"/>
-          </a:path>
-        </a:gradFill>
-        <a:gradFill rotWithShape="1">
-          <a:gsLst>
-            <a:gs pos="0">
-              <a:schemeClr val="phClr">
-                <a:tint val="80000"/>
-                <a:satMod val="300000"/>
-              </a:schemeClr>
-            </a:gs>
-            <a:gs pos="100000">
-              <a:schemeClr val="phClr">
-                <a:shade val="30000"/>
-                <a:satMod val="200000"/>
-              </a:schemeClr>
-            </a:gs>
-          </a:gsLst>
-          <a:path path="circle">
-            <a:fillToRect l="50000" t="50000" r="50000" b="50000"/>
-          </a:path>
-        </a:gradFill>
-      </a:bgFillStyleLst>
-    </a:fmtScheme>
-  </a:themeElements>
-</a:theme>
 </file>